--- a/doc/LambdaEmailSender.pptx
+++ b/doc/LambdaEmailSender.pptx
@@ -1,19 +1,114 @@
 
 <file path=ppt/presentation.xml><?xml version="1.0" encoding="utf-8"?>
-<p:presentation xmlns:a="http://schemas.openxmlformats.org/drawingml/2006/main" xmlns:p="http://schemas.openxmlformats.org/presentationml/2006/main" xmlns:r="http://schemas.openxmlformats.org/officeDocument/2006/relationships" xmlns:p14="http://schemas.microsoft.com/office/powerpoint/2010/main" xmlns:p15="http://schemas.microsoft.com/office/powerpoint/2012/main" xmlns:mc="http://schemas.openxmlformats.org/markup-compatibility/2006">
+<p:presentation xmlns:a="http://schemas.openxmlformats.org/drawingml/2006/main" xmlns:r="http://schemas.openxmlformats.org/officeDocument/2006/relationships" xmlns:p="http://schemas.openxmlformats.org/presentationml/2006/main">
   <p:sldMasterIdLst>
-    <p:sldMasterId id="2147483648" r:id="rId2"/>
+    <p:sldMasterId id="2147483648" r:id="rId1"/>
   </p:sldMasterIdLst>
   <p:sldIdLst>
-    <p:sldId id="256" r:id="rId3"/>
+    <p:sldId id="256" r:id="rId2"/>
   </p:sldIdLst>
   <p:sldSz cx="10080625" cy="5670550"/>
-  <p:notesSz cx="7559675" cy="10691812"/>
+  <p:notesSz cx="7559675" cy="10691813"/>
+  <p:defaultTextStyle>
+    <a:defPPr>
+      <a:defRPr lang="en-US"/>
+    </a:defPPr>
+    <a:lvl1pPr marL="0" algn="l" defTabSz="914400" rtl="0" eaLnBrk="1" latinLnBrk="0" hangingPunct="1">
+      <a:defRPr sz="1800" kern="1200">
+        <a:solidFill>
+          <a:schemeClr val="tx1"/>
+        </a:solidFill>
+        <a:latin typeface="+mn-lt"/>
+        <a:ea typeface="+mn-ea"/>
+        <a:cs typeface="+mn-cs"/>
+      </a:defRPr>
+    </a:lvl1pPr>
+    <a:lvl2pPr marL="457200" algn="l" defTabSz="914400" rtl="0" eaLnBrk="1" latinLnBrk="0" hangingPunct="1">
+      <a:defRPr sz="1800" kern="1200">
+        <a:solidFill>
+          <a:schemeClr val="tx1"/>
+        </a:solidFill>
+        <a:latin typeface="+mn-lt"/>
+        <a:ea typeface="+mn-ea"/>
+        <a:cs typeface="+mn-cs"/>
+      </a:defRPr>
+    </a:lvl2pPr>
+    <a:lvl3pPr marL="914400" algn="l" defTabSz="914400" rtl="0" eaLnBrk="1" latinLnBrk="0" hangingPunct="1">
+      <a:defRPr sz="1800" kern="1200">
+        <a:solidFill>
+          <a:schemeClr val="tx1"/>
+        </a:solidFill>
+        <a:latin typeface="+mn-lt"/>
+        <a:ea typeface="+mn-ea"/>
+        <a:cs typeface="+mn-cs"/>
+      </a:defRPr>
+    </a:lvl3pPr>
+    <a:lvl4pPr marL="1371600" algn="l" defTabSz="914400" rtl="0" eaLnBrk="1" latinLnBrk="0" hangingPunct="1">
+      <a:defRPr sz="1800" kern="1200">
+        <a:solidFill>
+          <a:schemeClr val="tx1"/>
+        </a:solidFill>
+        <a:latin typeface="+mn-lt"/>
+        <a:ea typeface="+mn-ea"/>
+        <a:cs typeface="+mn-cs"/>
+      </a:defRPr>
+    </a:lvl4pPr>
+    <a:lvl5pPr marL="1828800" algn="l" defTabSz="914400" rtl="0" eaLnBrk="1" latinLnBrk="0" hangingPunct="1">
+      <a:defRPr sz="1800" kern="1200">
+        <a:solidFill>
+          <a:schemeClr val="tx1"/>
+        </a:solidFill>
+        <a:latin typeface="+mn-lt"/>
+        <a:ea typeface="+mn-ea"/>
+        <a:cs typeface="+mn-cs"/>
+      </a:defRPr>
+    </a:lvl5pPr>
+    <a:lvl6pPr marL="2286000" algn="l" defTabSz="914400" rtl="0" eaLnBrk="1" latinLnBrk="0" hangingPunct="1">
+      <a:defRPr sz="1800" kern="1200">
+        <a:solidFill>
+          <a:schemeClr val="tx1"/>
+        </a:solidFill>
+        <a:latin typeface="+mn-lt"/>
+        <a:ea typeface="+mn-ea"/>
+        <a:cs typeface="+mn-cs"/>
+      </a:defRPr>
+    </a:lvl6pPr>
+    <a:lvl7pPr marL="2743200" algn="l" defTabSz="914400" rtl="0" eaLnBrk="1" latinLnBrk="0" hangingPunct="1">
+      <a:defRPr sz="1800" kern="1200">
+        <a:solidFill>
+          <a:schemeClr val="tx1"/>
+        </a:solidFill>
+        <a:latin typeface="+mn-lt"/>
+        <a:ea typeface="+mn-ea"/>
+        <a:cs typeface="+mn-cs"/>
+      </a:defRPr>
+    </a:lvl7pPr>
+    <a:lvl8pPr marL="3200400" algn="l" defTabSz="914400" rtl="0" eaLnBrk="1" latinLnBrk="0" hangingPunct="1">
+      <a:defRPr sz="1800" kern="1200">
+        <a:solidFill>
+          <a:schemeClr val="tx1"/>
+        </a:solidFill>
+        <a:latin typeface="+mn-lt"/>
+        <a:ea typeface="+mn-ea"/>
+        <a:cs typeface="+mn-cs"/>
+      </a:defRPr>
+    </a:lvl8pPr>
+    <a:lvl9pPr marL="3657600" algn="l" defTabSz="914400" rtl="0" eaLnBrk="1" latinLnBrk="0" hangingPunct="1">
+      <a:defRPr sz="1800" kern="1200">
+        <a:solidFill>
+          <a:schemeClr val="tx1"/>
+        </a:solidFill>
+        <a:latin typeface="+mn-lt"/>
+        <a:ea typeface="+mn-ea"/>
+        <a:cs typeface="+mn-cs"/>
+      </a:defRPr>
+    </a:lvl9pPr>
+  </p:defaultTextStyle>
 </p:presentation>
 </file>
 
 <file path=ppt/slideLayouts/slideLayout1.xml><?xml version="1.0" encoding="utf-8"?>
-<p:sldLayout xmlns:a="http://schemas.openxmlformats.org/drawingml/2006/main" xmlns:p="http://schemas.openxmlformats.org/presentationml/2006/main" xmlns:r="http://schemas.openxmlformats.org/officeDocument/2006/relationships" xmlns:p14="http://schemas.microsoft.com/office/powerpoint/2010/main" xmlns:p15="http://schemas.microsoft.com/office/powerpoint/2012/main" xmlns:mc="http://schemas.openxmlformats.org/markup-compatibility/2006" type="blank" preserve="1">
+<p:sldLayout xmlns:a="http://schemas.openxmlformats.org/drawingml/2006/main" xmlns:r="http://schemas.openxmlformats.org/officeDocument/2006/relationships" xmlns:p="http://schemas.openxmlformats.org/presentationml/2006/main" type="blank" preserve="1">
   <p:cSld name="Blank Slide">
     <p:spTree>
       <p:nvGrpSpPr>
@@ -31,11 +126,14 @@
       </p:grpSpPr>
     </p:spTree>
   </p:cSld>
+  <p:clrMapOvr>
+    <a:masterClrMapping/>
+  </p:clrMapOvr>
 </p:sldLayout>
 </file>
 
 <file path=ppt/slideLayouts/slideLayout10.xml><?xml version="1.0" encoding="utf-8"?>
-<p:sldLayout xmlns:a="http://schemas.openxmlformats.org/drawingml/2006/main" xmlns:p="http://schemas.openxmlformats.org/presentationml/2006/main" xmlns:r="http://schemas.openxmlformats.org/officeDocument/2006/relationships" xmlns:p14="http://schemas.microsoft.com/office/powerpoint/2010/main" xmlns:p15="http://schemas.microsoft.com/office/powerpoint/2012/main" xmlns:mc="http://schemas.openxmlformats.org/markup-compatibility/2006" type="objOverTx" preserve="1">
+<p:sldLayout xmlns:a="http://schemas.openxmlformats.org/drawingml/2006/main" xmlns:r="http://schemas.openxmlformats.org/officeDocument/2006/relationships" xmlns:p="http://schemas.openxmlformats.org/presentationml/2006/main" type="objOverTx" preserve="1">
   <p:cSld name="Title, Content over Content">
     <p:spTree>
       <p:nvGrpSpPr>
@@ -71,10 +169,11 @@
           </a:prstGeom>
         </p:spPr>
         <p:txBody>
-          <a:bodyPr lIns="0" rIns="0" tIns="0" bIns="0" anchor="ctr"/>
+          <a:bodyPr lIns="0" tIns="0" rIns="0" bIns="0" anchor="ctr"/>
+          <a:lstStyle/>
           <a:p>
             <a:pPr algn="ctr"/>
-            <a:endParaRPr b="0" lang="en-AU" sz="4400" spc="-1" strike="noStrike">
+            <a:endParaRPr lang="en-AU" sz="4400" b="0" strike="noStrike" spc="-1">
               <a:latin typeface="Arial"/>
             </a:endParaRPr>
           </a:p>
@@ -100,11 +199,12 @@
           </a:prstGeom>
         </p:spPr>
         <p:txBody>
-          <a:bodyPr lIns="0" rIns="0" tIns="0" bIns="0">
+          <a:bodyPr lIns="0" tIns="0" rIns="0" bIns="0">
             <a:normAutofit/>
           </a:bodyPr>
-          <a:p>
-            <a:endParaRPr b="0" lang="en-AU" sz="3200" spc="-1" strike="noStrike">
+          <a:lstStyle/>
+          <a:p>
+            <a:endParaRPr lang="en-AU" sz="3200" b="0" strike="noStrike" spc="-1">
               <a:latin typeface="Arial"/>
             </a:endParaRPr>
           </a:p>
@@ -130,11 +230,12 @@
           </a:prstGeom>
         </p:spPr>
         <p:txBody>
-          <a:bodyPr lIns="0" rIns="0" tIns="0" bIns="0">
+          <a:bodyPr lIns="0" tIns="0" rIns="0" bIns="0">
             <a:normAutofit/>
           </a:bodyPr>
-          <a:p>
-            <a:endParaRPr b="0" lang="en-AU" sz="3200" spc="-1" strike="noStrike">
+          <a:lstStyle/>
+          <a:p>
+            <a:endParaRPr lang="en-AU" sz="3200" b="0" strike="noStrike" spc="-1">
               <a:latin typeface="Arial"/>
             </a:endParaRPr>
           </a:p>
@@ -142,11 +243,14 @@
       </p:sp>
     </p:spTree>
   </p:cSld>
+  <p:clrMapOvr>
+    <a:masterClrMapping/>
+  </p:clrMapOvr>
 </p:sldLayout>
 </file>
 
 <file path=ppt/slideLayouts/slideLayout11.xml><?xml version="1.0" encoding="utf-8"?>
-<p:sldLayout xmlns:a="http://schemas.openxmlformats.org/drawingml/2006/main" xmlns:p="http://schemas.openxmlformats.org/presentationml/2006/main" xmlns:r="http://schemas.openxmlformats.org/officeDocument/2006/relationships" xmlns:p14="http://schemas.microsoft.com/office/powerpoint/2010/main" xmlns:p15="http://schemas.microsoft.com/office/powerpoint/2012/main" xmlns:mc="http://schemas.openxmlformats.org/markup-compatibility/2006" type="fourObj" preserve="1">
+<p:sldLayout xmlns:a="http://schemas.openxmlformats.org/drawingml/2006/main" xmlns:r="http://schemas.openxmlformats.org/officeDocument/2006/relationships" xmlns:p="http://schemas.openxmlformats.org/presentationml/2006/main" type="fourObj" preserve="1">
   <p:cSld name="Title, 4 Content">
     <p:spTree>
       <p:nvGrpSpPr>
@@ -182,10 +286,11 @@
           </a:prstGeom>
         </p:spPr>
         <p:txBody>
-          <a:bodyPr lIns="0" rIns="0" tIns="0" bIns="0" anchor="ctr"/>
+          <a:bodyPr lIns="0" tIns="0" rIns="0" bIns="0" anchor="ctr"/>
+          <a:lstStyle/>
           <a:p>
             <a:pPr algn="ctr"/>
-            <a:endParaRPr b="0" lang="en-AU" sz="4400" spc="-1" strike="noStrike">
+            <a:endParaRPr lang="en-AU" sz="4400" b="0" strike="noStrike" spc="-1">
               <a:latin typeface="Arial"/>
             </a:endParaRPr>
           </a:p>
@@ -211,11 +316,12 @@
           </a:prstGeom>
         </p:spPr>
         <p:txBody>
-          <a:bodyPr lIns="0" rIns="0" tIns="0" bIns="0">
+          <a:bodyPr lIns="0" tIns="0" rIns="0" bIns="0">
             <a:normAutofit/>
           </a:bodyPr>
-          <a:p>
-            <a:endParaRPr b="0" lang="en-AU" sz="3200" spc="-1" strike="noStrike">
+          <a:lstStyle/>
+          <a:p>
+            <a:endParaRPr lang="en-AU" sz="3200" b="0" strike="noStrike" spc="-1">
               <a:latin typeface="Arial"/>
             </a:endParaRPr>
           </a:p>
@@ -241,11 +347,12 @@
           </a:prstGeom>
         </p:spPr>
         <p:txBody>
-          <a:bodyPr lIns="0" rIns="0" tIns="0" bIns="0">
+          <a:bodyPr lIns="0" tIns="0" rIns="0" bIns="0">
             <a:normAutofit/>
           </a:bodyPr>
-          <a:p>
-            <a:endParaRPr b="0" lang="en-AU" sz="3200" spc="-1" strike="noStrike">
+          <a:lstStyle/>
+          <a:p>
+            <a:endParaRPr lang="en-AU" sz="3200" b="0" strike="noStrike" spc="-1">
               <a:latin typeface="Arial"/>
             </a:endParaRPr>
           </a:p>
@@ -271,11 +378,12 @@
           </a:prstGeom>
         </p:spPr>
         <p:txBody>
-          <a:bodyPr lIns="0" rIns="0" tIns="0" bIns="0">
+          <a:bodyPr lIns="0" tIns="0" rIns="0" bIns="0">
             <a:normAutofit/>
           </a:bodyPr>
-          <a:p>
-            <a:endParaRPr b="0" lang="en-AU" sz="3200" spc="-1" strike="noStrike">
+          <a:lstStyle/>
+          <a:p>
+            <a:endParaRPr lang="en-AU" sz="3200" b="0" strike="noStrike" spc="-1">
               <a:latin typeface="Arial"/>
             </a:endParaRPr>
           </a:p>
@@ -301,11 +409,12 @@
           </a:prstGeom>
         </p:spPr>
         <p:txBody>
-          <a:bodyPr lIns="0" rIns="0" tIns="0" bIns="0">
+          <a:bodyPr lIns="0" tIns="0" rIns="0" bIns="0">
             <a:normAutofit/>
           </a:bodyPr>
-          <a:p>
-            <a:endParaRPr b="0" lang="en-AU" sz="3200" spc="-1" strike="noStrike">
+          <a:lstStyle/>
+          <a:p>
+            <a:endParaRPr lang="en-AU" sz="3200" b="0" strike="noStrike" spc="-1">
               <a:latin typeface="Arial"/>
             </a:endParaRPr>
           </a:p>
@@ -313,11 +422,14 @@
       </p:sp>
     </p:spTree>
   </p:cSld>
+  <p:clrMapOvr>
+    <a:masterClrMapping/>
+  </p:clrMapOvr>
 </p:sldLayout>
 </file>
 
 <file path=ppt/slideLayouts/slideLayout12.xml><?xml version="1.0" encoding="utf-8"?>
-<p:sldLayout xmlns:a="http://schemas.openxmlformats.org/drawingml/2006/main" xmlns:p="http://schemas.openxmlformats.org/presentationml/2006/main" xmlns:r="http://schemas.openxmlformats.org/officeDocument/2006/relationships" xmlns:p14="http://schemas.microsoft.com/office/powerpoint/2010/main" xmlns:p15="http://schemas.microsoft.com/office/powerpoint/2012/main" xmlns:mc="http://schemas.openxmlformats.org/markup-compatibility/2006" type="blank" preserve="1">
+<p:sldLayout xmlns:a="http://schemas.openxmlformats.org/drawingml/2006/main" xmlns:r="http://schemas.openxmlformats.org/officeDocument/2006/relationships" xmlns:p="http://schemas.openxmlformats.org/presentationml/2006/main" type="blank" preserve="1">
   <p:cSld name="Title, 6 Content">
     <p:spTree>
       <p:nvGrpSpPr>
@@ -353,10 +465,11 @@
           </a:prstGeom>
         </p:spPr>
         <p:txBody>
-          <a:bodyPr lIns="0" rIns="0" tIns="0" bIns="0" anchor="ctr"/>
+          <a:bodyPr lIns="0" tIns="0" rIns="0" bIns="0" anchor="ctr"/>
+          <a:lstStyle/>
           <a:p>
             <a:pPr algn="ctr"/>
-            <a:endParaRPr b="0" lang="en-AU" sz="4400" spc="-1" strike="noStrike">
+            <a:endParaRPr lang="en-AU" sz="4400" b="0" strike="noStrike" spc="-1">
               <a:latin typeface="Arial"/>
             </a:endParaRPr>
           </a:p>
@@ -382,11 +495,12 @@
           </a:prstGeom>
         </p:spPr>
         <p:txBody>
-          <a:bodyPr lIns="0" rIns="0" tIns="0" bIns="0">
+          <a:bodyPr lIns="0" tIns="0" rIns="0" bIns="0">
             <a:normAutofit/>
           </a:bodyPr>
-          <a:p>
-            <a:endParaRPr b="0" lang="en-AU" sz="3200" spc="-1" strike="noStrike">
+          <a:lstStyle/>
+          <a:p>
+            <a:endParaRPr lang="en-AU" sz="3200" b="0" strike="noStrike" spc="-1">
               <a:latin typeface="Arial"/>
             </a:endParaRPr>
           </a:p>
@@ -412,11 +526,12 @@
           </a:prstGeom>
         </p:spPr>
         <p:txBody>
-          <a:bodyPr lIns="0" rIns="0" tIns="0" bIns="0">
+          <a:bodyPr lIns="0" tIns="0" rIns="0" bIns="0">
             <a:normAutofit/>
           </a:bodyPr>
-          <a:p>
-            <a:endParaRPr b="0" lang="en-AU" sz="3200" spc="-1" strike="noStrike">
+          <a:lstStyle/>
+          <a:p>
+            <a:endParaRPr lang="en-AU" sz="3200" b="0" strike="noStrike" spc="-1">
               <a:latin typeface="Arial"/>
             </a:endParaRPr>
           </a:p>
@@ -442,11 +557,12 @@
           </a:prstGeom>
         </p:spPr>
         <p:txBody>
-          <a:bodyPr lIns="0" rIns="0" tIns="0" bIns="0">
+          <a:bodyPr lIns="0" tIns="0" rIns="0" bIns="0">
             <a:normAutofit/>
           </a:bodyPr>
-          <a:p>
-            <a:endParaRPr b="0" lang="en-AU" sz="3200" spc="-1" strike="noStrike">
+          <a:lstStyle/>
+          <a:p>
+            <a:endParaRPr lang="en-AU" sz="3200" b="0" strike="noStrike" spc="-1">
               <a:latin typeface="Arial"/>
             </a:endParaRPr>
           </a:p>
@@ -472,11 +588,12 @@
           </a:prstGeom>
         </p:spPr>
         <p:txBody>
-          <a:bodyPr lIns="0" rIns="0" tIns="0" bIns="0">
+          <a:bodyPr lIns="0" tIns="0" rIns="0" bIns="0">
             <a:normAutofit/>
           </a:bodyPr>
-          <a:p>
-            <a:endParaRPr b="0" lang="en-AU" sz="3200" spc="-1" strike="noStrike">
+          <a:lstStyle/>
+          <a:p>
+            <a:endParaRPr lang="en-AU" sz="3200" b="0" strike="noStrike" spc="-1">
               <a:latin typeface="Arial"/>
             </a:endParaRPr>
           </a:p>
@@ -502,11 +619,12 @@
           </a:prstGeom>
         </p:spPr>
         <p:txBody>
-          <a:bodyPr lIns="0" rIns="0" tIns="0" bIns="0">
+          <a:bodyPr lIns="0" tIns="0" rIns="0" bIns="0">
             <a:normAutofit/>
           </a:bodyPr>
-          <a:p>
-            <a:endParaRPr b="0" lang="en-AU" sz="3200" spc="-1" strike="noStrike">
+          <a:lstStyle/>
+          <a:p>
+            <a:endParaRPr lang="en-AU" sz="3200" b="0" strike="noStrike" spc="-1">
               <a:latin typeface="Arial"/>
             </a:endParaRPr>
           </a:p>
@@ -532,11 +650,12 @@
           </a:prstGeom>
         </p:spPr>
         <p:txBody>
-          <a:bodyPr lIns="0" rIns="0" tIns="0" bIns="0">
+          <a:bodyPr lIns="0" tIns="0" rIns="0" bIns="0">
             <a:normAutofit/>
           </a:bodyPr>
-          <a:p>
-            <a:endParaRPr b="0" lang="en-AU" sz="3200" spc="-1" strike="noStrike">
+          <a:lstStyle/>
+          <a:p>
+            <a:endParaRPr lang="en-AU" sz="3200" b="0" strike="noStrike" spc="-1">
               <a:latin typeface="Arial"/>
             </a:endParaRPr>
           </a:p>
@@ -544,11 +663,14 @@
       </p:sp>
     </p:spTree>
   </p:cSld>
+  <p:clrMapOvr>
+    <a:masterClrMapping/>
+  </p:clrMapOvr>
 </p:sldLayout>
 </file>
 
 <file path=ppt/slideLayouts/slideLayout2.xml><?xml version="1.0" encoding="utf-8"?>
-<p:sldLayout xmlns:a="http://schemas.openxmlformats.org/drawingml/2006/main" xmlns:p="http://schemas.openxmlformats.org/presentationml/2006/main" xmlns:r="http://schemas.openxmlformats.org/officeDocument/2006/relationships" xmlns:p14="http://schemas.microsoft.com/office/powerpoint/2010/main" xmlns:p15="http://schemas.microsoft.com/office/powerpoint/2012/main" xmlns:mc="http://schemas.openxmlformats.org/markup-compatibility/2006" type="tx" preserve="1">
+<p:sldLayout xmlns:a="http://schemas.openxmlformats.org/drawingml/2006/main" xmlns:r="http://schemas.openxmlformats.org/officeDocument/2006/relationships" xmlns:p="http://schemas.openxmlformats.org/presentationml/2006/main" type="tx" preserve="1">
   <p:cSld name="Title Slide">
     <p:spTree>
       <p:nvGrpSpPr>
@@ -584,10 +706,11 @@
           </a:prstGeom>
         </p:spPr>
         <p:txBody>
-          <a:bodyPr lIns="0" rIns="0" tIns="0" bIns="0" anchor="ctr"/>
+          <a:bodyPr lIns="0" tIns="0" rIns="0" bIns="0" anchor="ctr"/>
+          <a:lstStyle/>
           <a:p>
             <a:pPr algn="ctr"/>
-            <a:endParaRPr b="0" lang="en-AU" sz="4400" spc="-1" strike="noStrike">
+            <a:endParaRPr lang="en-AU" sz="4400" b="0" strike="noStrike" spc="-1">
               <a:latin typeface="Arial"/>
             </a:endParaRPr>
           </a:p>
@@ -613,10 +736,11 @@
           </a:prstGeom>
         </p:spPr>
         <p:txBody>
-          <a:bodyPr lIns="0" rIns="0" tIns="0" bIns="0" anchor="ctr"/>
+          <a:bodyPr lIns="0" tIns="0" rIns="0" bIns="0" anchor="ctr"/>
+          <a:lstStyle/>
           <a:p>
             <a:pPr algn="ctr"/>
-            <a:endParaRPr b="0" lang="en-AU" sz="3200" spc="-1" strike="noStrike">
+            <a:endParaRPr lang="en-AU" sz="3200" b="0" strike="noStrike" spc="-1">
               <a:latin typeface="Arial"/>
             </a:endParaRPr>
           </a:p>
@@ -624,11 +748,14 @@
       </p:sp>
     </p:spTree>
   </p:cSld>
+  <p:clrMapOvr>
+    <a:masterClrMapping/>
+  </p:clrMapOvr>
 </p:sldLayout>
 </file>
 
 <file path=ppt/slideLayouts/slideLayout3.xml><?xml version="1.0" encoding="utf-8"?>
-<p:sldLayout xmlns:a="http://schemas.openxmlformats.org/drawingml/2006/main" xmlns:p="http://schemas.openxmlformats.org/presentationml/2006/main" xmlns:r="http://schemas.openxmlformats.org/officeDocument/2006/relationships" xmlns:p14="http://schemas.microsoft.com/office/powerpoint/2010/main" xmlns:p15="http://schemas.microsoft.com/office/powerpoint/2012/main" xmlns:mc="http://schemas.openxmlformats.org/markup-compatibility/2006" type="obj" preserve="1">
+<p:sldLayout xmlns:a="http://schemas.openxmlformats.org/drawingml/2006/main" xmlns:r="http://schemas.openxmlformats.org/officeDocument/2006/relationships" xmlns:p="http://schemas.openxmlformats.org/presentationml/2006/main" type="obj" preserve="1">
   <p:cSld name="Title, Content">
     <p:spTree>
       <p:nvGrpSpPr>
@@ -664,10 +791,11 @@
           </a:prstGeom>
         </p:spPr>
         <p:txBody>
-          <a:bodyPr lIns="0" rIns="0" tIns="0" bIns="0" anchor="ctr"/>
+          <a:bodyPr lIns="0" tIns="0" rIns="0" bIns="0" anchor="ctr"/>
+          <a:lstStyle/>
           <a:p>
             <a:pPr algn="ctr"/>
-            <a:endParaRPr b="0" lang="en-AU" sz="4400" spc="-1" strike="noStrike">
+            <a:endParaRPr lang="en-AU" sz="4400" b="0" strike="noStrike" spc="-1">
               <a:latin typeface="Arial"/>
             </a:endParaRPr>
           </a:p>
@@ -693,11 +821,12 @@
           </a:prstGeom>
         </p:spPr>
         <p:txBody>
-          <a:bodyPr lIns="0" rIns="0" tIns="0" bIns="0">
+          <a:bodyPr lIns="0" tIns="0" rIns="0" bIns="0">
             <a:normAutofit/>
           </a:bodyPr>
-          <a:p>
-            <a:endParaRPr b="0" lang="en-AU" sz="3200" spc="-1" strike="noStrike">
+          <a:lstStyle/>
+          <a:p>
+            <a:endParaRPr lang="en-AU" sz="3200" b="0" strike="noStrike" spc="-1">
               <a:latin typeface="Arial"/>
             </a:endParaRPr>
           </a:p>
@@ -705,11 +834,14 @@
       </p:sp>
     </p:spTree>
   </p:cSld>
+  <p:clrMapOvr>
+    <a:masterClrMapping/>
+  </p:clrMapOvr>
 </p:sldLayout>
 </file>
 
 <file path=ppt/slideLayouts/slideLayout4.xml><?xml version="1.0" encoding="utf-8"?>
-<p:sldLayout xmlns:a="http://schemas.openxmlformats.org/drawingml/2006/main" xmlns:p="http://schemas.openxmlformats.org/presentationml/2006/main" xmlns:r="http://schemas.openxmlformats.org/officeDocument/2006/relationships" xmlns:p14="http://schemas.microsoft.com/office/powerpoint/2010/main" xmlns:p15="http://schemas.microsoft.com/office/powerpoint/2012/main" xmlns:mc="http://schemas.openxmlformats.org/markup-compatibility/2006" type="twoObj" preserve="1">
+<p:sldLayout xmlns:a="http://schemas.openxmlformats.org/drawingml/2006/main" xmlns:r="http://schemas.openxmlformats.org/officeDocument/2006/relationships" xmlns:p="http://schemas.openxmlformats.org/presentationml/2006/main" type="twoObj" preserve="1">
   <p:cSld name="Title, 2 Content">
     <p:spTree>
       <p:nvGrpSpPr>
@@ -745,10 +877,11 @@
           </a:prstGeom>
         </p:spPr>
         <p:txBody>
-          <a:bodyPr lIns="0" rIns="0" tIns="0" bIns="0" anchor="ctr"/>
+          <a:bodyPr lIns="0" tIns="0" rIns="0" bIns="0" anchor="ctr"/>
+          <a:lstStyle/>
           <a:p>
             <a:pPr algn="ctr"/>
-            <a:endParaRPr b="0" lang="en-AU" sz="4400" spc="-1" strike="noStrike">
+            <a:endParaRPr lang="en-AU" sz="4400" b="0" strike="noStrike" spc="-1">
               <a:latin typeface="Arial"/>
             </a:endParaRPr>
           </a:p>
@@ -774,11 +907,12 @@
           </a:prstGeom>
         </p:spPr>
         <p:txBody>
-          <a:bodyPr lIns="0" rIns="0" tIns="0" bIns="0">
+          <a:bodyPr lIns="0" tIns="0" rIns="0" bIns="0">
             <a:normAutofit/>
           </a:bodyPr>
-          <a:p>
-            <a:endParaRPr b="0" lang="en-AU" sz="3200" spc="-1" strike="noStrike">
+          <a:lstStyle/>
+          <a:p>
+            <a:endParaRPr lang="en-AU" sz="3200" b="0" strike="noStrike" spc="-1">
               <a:latin typeface="Arial"/>
             </a:endParaRPr>
           </a:p>
@@ -804,11 +938,12 @@
           </a:prstGeom>
         </p:spPr>
         <p:txBody>
-          <a:bodyPr lIns="0" rIns="0" tIns="0" bIns="0">
+          <a:bodyPr lIns="0" tIns="0" rIns="0" bIns="0">
             <a:normAutofit/>
           </a:bodyPr>
-          <a:p>
-            <a:endParaRPr b="0" lang="en-AU" sz="3200" spc="-1" strike="noStrike">
+          <a:lstStyle/>
+          <a:p>
+            <a:endParaRPr lang="en-AU" sz="3200" b="0" strike="noStrike" spc="-1">
               <a:latin typeface="Arial"/>
             </a:endParaRPr>
           </a:p>
@@ -816,11 +951,14 @@
       </p:sp>
     </p:spTree>
   </p:cSld>
+  <p:clrMapOvr>
+    <a:masterClrMapping/>
+  </p:clrMapOvr>
 </p:sldLayout>
 </file>
 
 <file path=ppt/slideLayouts/slideLayout5.xml><?xml version="1.0" encoding="utf-8"?>
-<p:sldLayout xmlns:a="http://schemas.openxmlformats.org/drawingml/2006/main" xmlns:p="http://schemas.openxmlformats.org/presentationml/2006/main" xmlns:r="http://schemas.openxmlformats.org/officeDocument/2006/relationships" xmlns:p14="http://schemas.microsoft.com/office/powerpoint/2010/main" xmlns:p15="http://schemas.microsoft.com/office/powerpoint/2012/main" xmlns:mc="http://schemas.openxmlformats.org/markup-compatibility/2006" type="titleOnly" preserve="1">
+<p:sldLayout xmlns:a="http://schemas.openxmlformats.org/drawingml/2006/main" xmlns:r="http://schemas.openxmlformats.org/officeDocument/2006/relationships" xmlns:p="http://schemas.openxmlformats.org/presentationml/2006/main" type="titleOnly" preserve="1">
   <p:cSld name="Title Only">
     <p:spTree>
       <p:nvGrpSpPr>
@@ -856,10 +994,11 @@
           </a:prstGeom>
         </p:spPr>
         <p:txBody>
-          <a:bodyPr lIns="0" rIns="0" tIns="0" bIns="0" anchor="ctr"/>
+          <a:bodyPr lIns="0" tIns="0" rIns="0" bIns="0" anchor="ctr"/>
+          <a:lstStyle/>
           <a:p>
             <a:pPr algn="ctr"/>
-            <a:endParaRPr b="0" lang="en-AU" sz="4400" spc="-1" strike="noStrike">
+            <a:endParaRPr lang="en-AU" sz="4400" b="0" strike="noStrike" spc="-1">
               <a:latin typeface="Arial"/>
             </a:endParaRPr>
           </a:p>
@@ -867,11 +1006,14 @@
       </p:sp>
     </p:spTree>
   </p:cSld>
+  <p:clrMapOvr>
+    <a:masterClrMapping/>
+  </p:clrMapOvr>
 </p:sldLayout>
 </file>
 
 <file path=ppt/slideLayouts/slideLayout6.xml><?xml version="1.0" encoding="utf-8"?>
-<p:sldLayout xmlns:a="http://schemas.openxmlformats.org/drawingml/2006/main" xmlns:p="http://schemas.openxmlformats.org/presentationml/2006/main" xmlns:r="http://schemas.openxmlformats.org/officeDocument/2006/relationships" xmlns:p14="http://schemas.microsoft.com/office/powerpoint/2010/main" xmlns:p15="http://schemas.microsoft.com/office/powerpoint/2012/main" xmlns:mc="http://schemas.openxmlformats.org/markup-compatibility/2006" type="objOnly" preserve="1">
+<p:sldLayout xmlns:a="http://schemas.openxmlformats.org/drawingml/2006/main" xmlns:r="http://schemas.openxmlformats.org/officeDocument/2006/relationships" xmlns:p="http://schemas.openxmlformats.org/presentationml/2006/main" type="objOnly" preserve="1">
   <p:cSld name="Centered Text">
     <p:spTree>
       <p:nvGrpSpPr>
@@ -907,10 +1049,11 @@
           </a:prstGeom>
         </p:spPr>
         <p:txBody>
-          <a:bodyPr lIns="0" rIns="0" tIns="0" bIns="0" anchor="ctr"/>
+          <a:bodyPr lIns="0" tIns="0" rIns="0" bIns="0" anchor="ctr"/>
+          <a:lstStyle/>
           <a:p>
             <a:pPr algn="ctr"/>
-            <a:endParaRPr b="0" lang="en-AU" sz="3200" spc="-1" strike="noStrike">
+            <a:endParaRPr lang="en-AU" sz="3200" b="0" strike="noStrike" spc="-1">
               <a:latin typeface="Arial"/>
             </a:endParaRPr>
           </a:p>
@@ -918,11 +1061,14 @@
       </p:sp>
     </p:spTree>
   </p:cSld>
+  <p:clrMapOvr>
+    <a:masterClrMapping/>
+  </p:clrMapOvr>
 </p:sldLayout>
 </file>
 
 <file path=ppt/slideLayouts/slideLayout7.xml><?xml version="1.0" encoding="utf-8"?>
-<p:sldLayout xmlns:a="http://schemas.openxmlformats.org/drawingml/2006/main" xmlns:p="http://schemas.openxmlformats.org/presentationml/2006/main" xmlns:r="http://schemas.openxmlformats.org/officeDocument/2006/relationships" xmlns:p14="http://schemas.microsoft.com/office/powerpoint/2010/main" xmlns:p15="http://schemas.microsoft.com/office/powerpoint/2012/main" xmlns:mc="http://schemas.openxmlformats.org/markup-compatibility/2006" type="twoObjAndObj" preserve="1">
+<p:sldLayout xmlns:a="http://schemas.openxmlformats.org/drawingml/2006/main" xmlns:r="http://schemas.openxmlformats.org/officeDocument/2006/relationships" xmlns:p="http://schemas.openxmlformats.org/presentationml/2006/main" type="twoObjAndObj" preserve="1">
   <p:cSld name="Title, 2 Content and Content">
     <p:spTree>
       <p:nvGrpSpPr>
@@ -958,10 +1104,11 @@
           </a:prstGeom>
         </p:spPr>
         <p:txBody>
-          <a:bodyPr lIns="0" rIns="0" tIns="0" bIns="0" anchor="ctr"/>
+          <a:bodyPr lIns="0" tIns="0" rIns="0" bIns="0" anchor="ctr"/>
+          <a:lstStyle/>
           <a:p>
             <a:pPr algn="ctr"/>
-            <a:endParaRPr b="0" lang="en-AU" sz="4400" spc="-1" strike="noStrike">
+            <a:endParaRPr lang="en-AU" sz="4400" b="0" strike="noStrike" spc="-1">
               <a:latin typeface="Arial"/>
             </a:endParaRPr>
           </a:p>
@@ -987,11 +1134,12 @@
           </a:prstGeom>
         </p:spPr>
         <p:txBody>
-          <a:bodyPr lIns="0" rIns="0" tIns="0" bIns="0">
+          <a:bodyPr lIns="0" tIns="0" rIns="0" bIns="0">
             <a:normAutofit/>
           </a:bodyPr>
-          <a:p>
-            <a:endParaRPr b="0" lang="en-AU" sz="3200" spc="-1" strike="noStrike">
+          <a:lstStyle/>
+          <a:p>
+            <a:endParaRPr lang="en-AU" sz="3200" b="0" strike="noStrike" spc="-1">
               <a:latin typeface="Arial"/>
             </a:endParaRPr>
           </a:p>
@@ -1017,11 +1165,12 @@
           </a:prstGeom>
         </p:spPr>
         <p:txBody>
-          <a:bodyPr lIns="0" rIns="0" tIns="0" bIns="0">
+          <a:bodyPr lIns="0" tIns="0" rIns="0" bIns="0">
             <a:normAutofit/>
           </a:bodyPr>
-          <a:p>
-            <a:endParaRPr b="0" lang="en-AU" sz="3200" spc="-1" strike="noStrike">
+          <a:lstStyle/>
+          <a:p>
+            <a:endParaRPr lang="en-AU" sz="3200" b="0" strike="noStrike" spc="-1">
               <a:latin typeface="Arial"/>
             </a:endParaRPr>
           </a:p>
@@ -1047,11 +1196,12 @@
           </a:prstGeom>
         </p:spPr>
         <p:txBody>
-          <a:bodyPr lIns="0" rIns="0" tIns="0" bIns="0">
+          <a:bodyPr lIns="0" tIns="0" rIns="0" bIns="0">
             <a:normAutofit/>
           </a:bodyPr>
-          <a:p>
-            <a:endParaRPr b="0" lang="en-AU" sz="3200" spc="-1" strike="noStrike">
+          <a:lstStyle/>
+          <a:p>
+            <a:endParaRPr lang="en-AU" sz="3200" b="0" strike="noStrike" spc="-1">
               <a:latin typeface="Arial"/>
             </a:endParaRPr>
           </a:p>
@@ -1059,11 +1209,14 @@
       </p:sp>
     </p:spTree>
   </p:cSld>
+  <p:clrMapOvr>
+    <a:masterClrMapping/>
+  </p:clrMapOvr>
 </p:sldLayout>
 </file>
 
 <file path=ppt/slideLayouts/slideLayout8.xml><?xml version="1.0" encoding="utf-8"?>
-<p:sldLayout xmlns:a="http://schemas.openxmlformats.org/drawingml/2006/main" xmlns:p="http://schemas.openxmlformats.org/presentationml/2006/main" xmlns:r="http://schemas.openxmlformats.org/officeDocument/2006/relationships" xmlns:p14="http://schemas.microsoft.com/office/powerpoint/2010/main" xmlns:p15="http://schemas.microsoft.com/office/powerpoint/2012/main" xmlns:mc="http://schemas.openxmlformats.org/markup-compatibility/2006" type="objAndTwoObj" preserve="1">
+<p:sldLayout xmlns:a="http://schemas.openxmlformats.org/drawingml/2006/main" xmlns:r="http://schemas.openxmlformats.org/officeDocument/2006/relationships" xmlns:p="http://schemas.openxmlformats.org/presentationml/2006/main" type="objAndTwoObj" preserve="1">
   <p:cSld name="Title Content and 2 Content">
     <p:spTree>
       <p:nvGrpSpPr>
@@ -1099,10 +1252,11 @@
           </a:prstGeom>
         </p:spPr>
         <p:txBody>
-          <a:bodyPr lIns="0" rIns="0" tIns="0" bIns="0" anchor="ctr"/>
+          <a:bodyPr lIns="0" tIns="0" rIns="0" bIns="0" anchor="ctr"/>
+          <a:lstStyle/>
           <a:p>
             <a:pPr algn="ctr"/>
-            <a:endParaRPr b="0" lang="en-AU" sz="4400" spc="-1" strike="noStrike">
+            <a:endParaRPr lang="en-AU" sz="4400" b="0" strike="noStrike" spc="-1">
               <a:latin typeface="Arial"/>
             </a:endParaRPr>
           </a:p>
@@ -1128,11 +1282,12 @@
           </a:prstGeom>
         </p:spPr>
         <p:txBody>
-          <a:bodyPr lIns="0" rIns="0" tIns="0" bIns="0">
+          <a:bodyPr lIns="0" tIns="0" rIns="0" bIns="0">
             <a:normAutofit/>
           </a:bodyPr>
-          <a:p>
-            <a:endParaRPr b="0" lang="en-AU" sz="3200" spc="-1" strike="noStrike">
+          <a:lstStyle/>
+          <a:p>
+            <a:endParaRPr lang="en-AU" sz="3200" b="0" strike="noStrike" spc="-1">
               <a:latin typeface="Arial"/>
             </a:endParaRPr>
           </a:p>
@@ -1158,11 +1313,12 @@
           </a:prstGeom>
         </p:spPr>
         <p:txBody>
-          <a:bodyPr lIns="0" rIns="0" tIns="0" bIns="0">
+          <a:bodyPr lIns="0" tIns="0" rIns="0" bIns="0">
             <a:normAutofit/>
           </a:bodyPr>
-          <a:p>
-            <a:endParaRPr b="0" lang="en-AU" sz="3200" spc="-1" strike="noStrike">
+          <a:lstStyle/>
+          <a:p>
+            <a:endParaRPr lang="en-AU" sz="3200" b="0" strike="noStrike" spc="-1">
               <a:latin typeface="Arial"/>
             </a:endParaRPr>
           </a:p>
@@ -1188,11 +1344,12 @@
           </a:prstGeom>
         </p:spPr>
         <p:txBody>
-          <a:bodyPr lIns="0" rIns="0" tIns="0" bIns="0">
+          <a:bodyPr lIns="0" tIns="0" rIns="0" bIns="0">
             <a:normAutofit/>
           </a:bodyPr>
-          <a:p>
-            <a:endParaRPr b="0" lang="en-AU" sz="3200" spc="-1" strike="noStrike">
+          <a:lstStyle/>
+          <a:p>
+            <a:endParaRPr lang="en-AU" sz="3200" b="0" strike="noStrike" spc="-1">
               <a:latin typeface="Arial"/>
             </a:endParaRPr>
           </a:p>
@@ -1200,11 +1357,14 @@
       </p:sp>
     </p:spTree>
   </p:cSld>
+  <p:clrMapOvr>
+    <a:masterClrMapping/>
+  </p:clrMapOvr>
 </p:sldLayout>
 </file>
 
 <file path=ppt/slideLayouts/slideLayout9.xml><?xml version="1.0" encoding="utf-8"?>
-<p:sldLayout xmlns:a="http://schemas.openxmlformats.org/drawingml/2006/main" xmlns:p="http://schemas.openxmlformats.org/presentationml/2006/main" xmlns:r="http://schemas.openxmlformats.org/officeDocument/2006/relationships" xmlns:p14="http://schemas.microsoft.com/office/powerpoint/2010/main" xmlns:p15="http://schemas.microsoft.com/office/powerpoint/2012/main" xmlns:mc="http://schemas.openxmlformats.org/markup-compatibility/2006" type="twoObjOverTx" preserve="1">
+<p:sldLayout xmlns:a="http://schemas.openxmlformats.org/drawingml/2006/main" xmlns:r="http://schemas.openxmlformats.org/officeDocument/2006/relationships" xmlns:p="http://schemas.openxmlformats.org/presentationml/2006/main" type="twoObjOverTx" preserve="1">
   <p:cSld name="Title, 2 Content over Content">
     <p:spTree>
       <p:nvGrpSpPr>
@@ -1240,10 +1400,11 @@
           </a:prstGeom>
         </p:spPr>
         <p:txBody>
-          <a:bodyPr lIns="0" rIns="0" tIns="0" bIns="0" anchor="ctr"/>
+          <a:bodyPr lIns="0" tIns="0" rIns="0" bIns="0" anchor="ctr"/>
+          <a:lstStyle/>
           <a:p>
             <a:pPr algn="ctr"/>
-            <a:endParaRPr b="0" lang="en-AU" sz="4400" spc="-1" strike="noStrike">
+            <a:endParaRPr lang="en-AU" sz="4400" b="0" strike="noStrike" spc="-1">
               <a:latin typeface="Arial"/>
             </a:endParaRPr>
           </a:p>
@@ -1269,11 +1430,12 @@
           </a:prstGeom>
         </p:spPr>
         <p:txBody>
-          <a:bodyPr lIns="0" rIns="0" tIns="0" bIns="0">
+          <a:bodyPr lIns="0" tIns="0" rIns="0" bIns="0">
             <a:normAutofit/>
           </a:bodyPr>
-          <a:p>
-            <a:endParaRPr b="0" lang="en-AU" sz="3200" spc="-1" strike="noStrike">
+          <a:lstStyle/>
+          <a:p>
+            <a:endParaRPr lang="en-AU" sz="3200" b="0" strike="noStrike" spc="-1">
               <a:latin typeface="Arial"/>
             </a:endParaRPr>
           </a:p>
@@ -1299,11 +1461,12 @@
           </a:prstGeom>
         </p:spPr>
         <p:txBody>
-          <a:bodyPr lIns="0" rIns="0" tIns="0" bIns="0">
+          <a:bodyPr lIns="0" tIns="0" rIns="0" bIns="0">
             <a:normAutofit/>
           </a:bodyPr>
-          <a:p>
-            <a:endParaRPr b="0" lang="en-AU" sz="3200" spc="-1" strike="noStrike">
+          <a:lstStyle/>
+          <a:p>
+            <a:endParaRPr lang="en-AU" sz="3200" b="0" strike="noStrike" spc="-1">
               <a:latin typeface="Arial"/>
             </a:endParaRPr>
           </a:p>
@@ -1329,11 +1492,12 @@
           </a:prstGeom>
         </p:spPr>
         <p:txBody>
-          <a:bodyPr lIns="0" rIns="0" tIns="0" bIns="0">
+          <a:bodyPr lIns="0" tIns="0" rIns="0" bIns="0">
             <a:normAutofit/>
           </a:bodyPr>
-          <a:p>
-            <a:endParaRPr b="0" lang="en-AU" sz="3200" spc="-1" strike="noStrike">
+          <a:lstStyle/>
+          <a:p>
+            <a:endParaRPr lang="en-AU" sz="3200" b="0" strike="noStrike" spc="-1">
               <a:latin typeface="Arial"/>
             </a:endParaRPr>
           </a:p>
@@ -1341,11 +1505,629 @@
       </p:sp>
     </p:spTree>
   </p:cSld>
+  <p:clrMapOvr>
+    <a:masterClrMapping/>
+  </p:clrMapOvr>
 </p:sldLayout>
 </file>
 
 <file path=ppt/slideMasters/slideMaster1.xml><?xml version="1.0" encoding="utf-8"?>
-<p:sldMaster xmlns:a="http://schemas.openxmlformats.org/drawingml/2006/main" xmlns:p="http://schemas.openxmlformats.org/presentationml/2006/main" xmlns:r="http://schemas.openxmlformats.org/officeDocument/2006/relationships" xmlns:p14="http://schemas.microsoft.com/office/powerpoint/2010/main" xmlns:p15="http://schemas.microsoft.com/office/powerpoint/2012/main" xmlns:mc="http://schemas.openxmlformats.org/markup-compatibility/2006">
+<p:sldMaster xmlns:a="http://schemas.openxmlformats.org/drawingml/2006/main" xmlns:r="http://schemas.openxmlformats.org/officeDocument/2006/relationships" xmlns:p="http://schemas.openxmlformats.org/presentationml/2006/main">
+  <p:cSld>
+    <p:bg>
+      <p:bgRef idx="1001">
+        <a:schemeClr val="bg1"/>
+      </p:bgRef>
+    </p:bg>
+    <p:spTree>
+      <p:nvGrpSpPr>
+        <p:cNvPr id="1" name=""/>
+        <p:cNvGrpSpPr/>
+        <p:nvPr/>
+      </p:nvGrpSpPr>
+      <p:grpSpPr>
+        <a:xfrm>
+          <a:off x="0" y="0"/>
+          <a:ext cx="0" cy="0"/>
+          <a:chOff x="0" y="0"/>
+          <a:chExt cx="0" cy="0"/>
+        </a:xfrm>
+      </p:grpSpPr>
+      <p:sp>
+        <p:nvSpPr>
+          <p:cNvPr id="5" name="PlaceHolder 1"/>
+          <p:cNvSpPr>
+            <a:spLocks noGrp="1"/>
+          </p:cNvSpPr>
+          <p:nvPr>
+            <p:ph type="title"/>
+          </p:nvPr>
+        </p:nvSpPr>
+        <p:spPr>
+          <a:xfrm>
+            <a:off x="504000" y="226080"/>
+            <a:ext cx="9071640" cy="946440"/>
+          </a:xfrm>
+          <a:prstGeom prst="rect">
+            <a:avLst/>
+          </a:prstGeom>
+        </p:spPr>
+        <p:txBody>
+          <a:bodyPr lIns="0" tIns="0" rIns="0" bIns="0" anchor="ctr"/>
+          <a:lstStyle/>
+          <a:p>
+            <a:pPr algn="ctr"/>
+            <a:r>
+              <a:rPr lang="en-AU" sz="4400" b="0" strike="noStrike" spc="-1">
+                <a:latin typeface="Arial"/>
+              </a:rPr>
+              <a:t>Click to edit the title text format</a:t>
+            </a:r>
+          </a:p>
+        </p:txBody>
+      </p:sp>
+      <p:sp>
+        <p:nvSpPr>
+          <p:cNvPr id="6" name="PlaceHolder 2"/>
+          <p:cNvSpPr>
+            <a:spLocks noGrp="1"/>
+          </p:cNvSpPr>
+          <p:nvPr>
+            <p:ph type="body"/>
+          </p:nvPr>
+        </p:nvSpPr>
+        <p:spPr>
+          <a:xfrm>
+            <a:off x="504000" y="1326600"/>
+            <a:ext cx="9071640" cy="3288240"/>
+          </a:xfrm>
+          <a:prstGeom prst="rect">
+            <a:avLst/>
+          </a:prstGeom>
+        </p:spPr>
+        <p:txBody>
+          <a:bodyPr lIns="0" tIns="0" rIns="0" bIns="0">
+            <a:normAutofit/>
+          </a:bodyPr>
+          <a:lstStyle/>
+          <a:p>
+            <a:pPr marL="432000" indent="-324000">
+              <a:spcBef>
+                <a:spcPts val="1417"/>
+              </a:spcBef>
+              <a:buClr>
+                <a:srgbClr val="000000"/>
+              </a:buClr>
+              <a:buSzPct val="45000"/>
+              <a:buFont typeface="Wingdings" charset="2"/>
+              <a:buChar char=""/>
+            </a:pPr>
+            <a:r>
+              <a:rPr lang="en-AU" sz="3200" b="0" strike="noStrike" spc="-1">
+                <a:latin typeface="Arial"/>
+              </a:rPr>
+              <a:t>Click to edit the outline text format</a:t>
+            </a:r>
+          </a:p>
+          <a:p>
+            <a:pPr marL="864000" lvl="1" indent="-324000">
+              <a:spcBef>
+                <a:spcPts val="1134"/>
+              </a:spcBef>
+              <a:buClr>
+                <a:srgbClr val="000000"/>
+              </a:buClr>
+              <a:buSzPct val="75000"/>
+              <a:buFont typeface="Symbol" charset="2"/>
+              <a:buChar char=""/>
+            </a:pPr>
+            <a:r>
+              <a:rPr lang="en-AU" sz="2800" b="0" strike="noStrike" spc="-1">
+                <a:latin typeface="Arial"/>
+              </a:rPr>
+              <a:t>Second Outline Level</a:t>
+            </a:r>
+          </a:p>
+          <a:p>
+            <a:pPr marL="1296000" lvl="2" indent="-288000">
+              <a:spcBef>
+                <a:spcPts val="850"/>
+              </a:spcBef>
+              <a:buClr>
+                <a:srgbClr val="000000"/>
+              </a:buClr>
+              <a:buSzPct val="45000"/>
+              <a:buFont typeface="Wingdings" charset="2"/>
+              <a:buChar char=""/>
+            </a:pPr>
+            <a:r>
+              <a:rPr lang="en-AU" sz="2400" b="0" strike="noStrike" spc="-1">
+                <a:latin typeface="Arial"/>
+              </a:rPr>
+              <a:t>Third Outline Level</a:t>
+            </a:r>
+          </a:p>
+          <a:p>
+            <a:pPr marL="1728000" lvl="3" indent="-216000">
+              <a:spcBef>
+                <a:spcPts val="567"/>
+              </a:spcBef>
+              <a:buClr>
+                <a:srgbClr val="000000"/>
+              </a:buClr>
+              <a:buSzPct val="75000"/>
+              <a:buFont typeface="Symbol" charset="2"/>
+              <a:buChar char=""/>
+            </a:pPr>
+            <a:r>
+              <a:rPr lang="en-AU" sz="2000" b="0" strike="noStrike" spc="-1">
+                <a:latin typeface="Arial"/>
+              </a:rPr>
+              <a:t>Fourth Outline Level</a:t>
+            </a:r>
+          </a:p>
+          <a:p>
+            <a:pPr marL="2160000" lvl="4" indent="-216000">
+              <a:spcBef>
+                <a:spcPts val="283"/>
+              </a:spcBef>
+              <a:buClr>
+                <a:srgbClr val="000000"/>
+              </a:buClr>
+              <a:buSzPct val="45000"/>
+              <a:buFont typeface="Wingdings" charset="2"/>
+              <a:buChar char=""/>
+            </a:pPr>
+            <a:r>
+              <a:rPr lang="en-AU" sz="2000" b="0" strike="noStrike" spc="-1">
+                <a:latin typeface="Arial"/>
+              </a:rPr>
+              <a:t>Fifth Outline Level</a:t>
+            </a:r>
+          </a:p>
+          <a:p>
+            <a:pPr marL="2592000" lvl="5" indent="-216000">
+              <a:spcBef>
+                <a:spcPts val="283"/>
+              </a:spcBef>
+              <a:buClr>
+                <a:srgbClr val="000000"/>
+              </a:buClr>
+              <a:buSzPct val="45000"/>
+              <a:buFont typeface="Wingdings" charset="2"/>
+              <a:buChar char=""/>
+            </a:pPr>
+            <a:r>
+              <a:rPr lang="en-AU" sz="2000" b="0" strike="noStrike" spc="-1">
+                <a:latin typeface="Arial"/>
+              </a:rPr>
+              <a:t>Sixth Outline Level</a:t>
+            </a:r>
+          </a:p>
+          <a:p>
+            <a:pPr marL="3024000" lvl="6" indent="-216000">
+              <a:spcBef>
+                <a:spcPts val="283"/>
+              </a:spcBef>
+              <a:buClr>
+                <a:srgbClr val="000000"/>
+              </a:buClr>
+              <a:buSzPct val="45000"/>
+              <a:buFont typeface="Wingdings" charset="2"/>
+              <a:buChar char=""/>
+            </a:pPr>
+            <a:r>
+              <a:rPr lang="en-AU" sz="2000" b="0" strike="noStrike" spc="-1">
+                <a:latin typeface="Arial"/>
+              </a:rPr>
+              <a:t>Seventh Outline Level</a:t>
+            </a:r>
+          </a:p>
+        </p:txBody>
+      </p:sp>
+      <p:sp>
+        <p:nvSpPr>
+          <p:cNvPr id="2" name="PlaceHolder 3"/>
+          <p:cNvSpPr>
+            <a:spLocks noGrp="1"/>
+          </p:cNvSpPr>
+          <p:nvPr>
+            <p:ph type="dt"/>
+          </p:nvPr>
+        </p:nvSpPr>
+        <p:spPr>
+          <a:xfrm>
+            <a:off x="504000" y="5165280"/>
+            <a:ext cx="2348280" cy="390600"/>
+          </a:xfrm>
+          <a:prstGeom prst="rect">
+            <a:avLst/>
+          </a:prstGeom>
+        </p:spPr>
+        <p:txBody>
+          <a:bodyPr lIns="0" tIns="0" rIns="0" bIns="0"/>
+          <a:lstStyle/>
+          <a:p>
+            <a:r>
+              <a:rPr lang="en-AU" sz="1400" b="0" strike="noStrike" spc="-1">
+                <a:latin typeface="Times New Roman"/>
+              </a:rPr>
+              <a:t>&lt;date/time&gt;</a:t>
+            </a:r>
+          </a:p>
+        </p:txBody>
+      </p:sp>
+      <p:sp>
+        <p:nvSpPr>
+          <p:cNvPr id="3" name="PlaceHolder 4"/>
+          <p:cNvSpPr>
+            <a:spLocks noGrp="1"/>
+          </p:cNvSpPr>
+          <p:nvPr>
+            <p:ph type="ftr"/>
+          </p:nvPr>
+        </p:nvSpPr>
+        <p:spPr>
+          <a:xfrm>
+            <a:off x="3447360" y="5165280"/>
+            <a:ext cx="3195000" cy="390600"/>
+          </a:xfrm>
+          <a:prstGeom prst="rect">
+            <a:avLst/>
+          </a:prstGeom>
+        </p:spPr>
+        <p:txBody>
+          <a:bodyPr lIns="0" tIns="0" rIns="0" bIns="0"/>
+          <a:lstStyle/>
+          <a:p>
+            <a:pPr algn="ctr"/>
+            <a:r>
+              <a:rPr lang="en-AU" sz="1400" b="0" strike="noStrike" spc="-1">
+                <a:latin typeface="Times New Roman"/>
+              </a:rPr>
+              <a:t>&lt;footer&gt;</a:t>
+            </a:r>
+          </a:p>
+        </p:txBody>
+      </p:sp>
+      <p:sp>
+        <p:nvSpPr>
+          <p:cNvPr id="4" name="PlaceHolder 5"/>
+          <p:cNvSpPr>
+            <a:spLocks noGrp="1"/>
+          </p:cNvSpPr>
+          <p:nvPr>
+            <p:ph type="sldNum"/>
+          </p:nvPr>
+        </p:nvSpPr>
+        <p:spPr>
+          <a:xfrm>
+            <a:off x="7227360" y="5165280"/>
+            <a:ext cx="2348280" cy="390600"/>
+          </a:xfrm>
+          <a:prstGeom prst="rect">
+            <a:avLst/>
+          </a:prstGeom>
+        </p:spPr>
+        <p:txBody>
+          <a:bodyPr lIns="0" tIns="0" rIns="0" bIns="0"/>
+          <a:lstStyle/>
+          <a:p>
+            <a:pPr algn="r"/>
+            <a:fld id="{25360518-4D07-47C8-918B-6CEF61C71480}" type="slidenum">
+              <a:rPr lang="en-AU" sz="1400" b="0" strike="noStrike" spc="-1">
+                <a:latin typeface="Times New Roman"/>
+              </a:rPr>
+              <a:t>‹#›</a:t>
+            </a:fld>
+            <a:endParaRPr lang="en-AU" sz="1400" b="0" strike="noStrike" spc="-1">
+              <a:latin typeface="Times New Roman"/>
+            </a:endParaRPr>
+          </a:p>
+        </p:txBody>
+      </p:sp>
+    </p:spTree>
+  </p:cSld>
+  <p:clrMap bg1="lt1" tx1="dk1" bg2="lt2" tx2="dk2" accent1="accent1" accent2="accent2" accent3="accent3" accent4="accent4" accent5="accent5" accent6="accent6" hlink="hlink" folHlink="folHlink"/>
+  <p:sldLayoutIdLst>
+    <p:sldLayoutId id="2147483649" r:id="rId1"/>
+    <p:sldLayoutId id="2147483650" r:id="rId2"/>
+    <p:sldLayoutId id="2147483651" r:id="rId3"/>
+    <p:sldLayoutId id="2147483652" r:id="rId4"/>
+    <p:sldLayoutId id="2147483653" r:id="rId5"/>
+    <p:sldLayoutId id="2147483654" r:id="rId6"/>
+    <p:sldLayoutId id="2147483655" r:id="rId7"/>
+    <p:sldLayoutId id="2147483656" r:id="rId8"/>
+    <p:sldLayoutId id="2147483657" r:id="rId9"/>
+    <p:sldLayoutId id="2147483658" r:id="rId10"/>
+    <p:sldLayoutId id="2147483659" r:id="rId11"/>
+    <p:sldLayoutId id="2147483660" r:id="rId12"/>
+  </p:sldLayoutIdLst>
+  <p:txStyles>
+    <p:titleStyle>
+      <a:lvl1pPr algn="l" defTabSz="914400" rtl="0" eaLnBrk="1" latinLnBrk="0" hangingPunct="1">
+        <a:lnSpc>
+          <a:spcPct val="90000"/>
+        </a:lnSpc>
+        <a:spcBef>
+          <a:spcPct val="0"/>
+        </a:spcBef>
+        <a:buNone/>
+        <a:defRPr sz="4400" kern="1200">
+          <a:solidFill>
+            <a:schemeClr val="tx1"/>
+          </a:solidFill>
+          <a:latin typeface="+mj-lt"/>
+          <a:ea typeface="+mj-ea"/>
+          <a:cs typeface="+mj-cs"/>
+        </a:defRPr>
+      </a:lvl1pPr>
+    </p:titleStyle>
+    <p:bodyStyle>
+      <a:lvl1pPr marL="228600" indent="-228600" algn="l" defTabSz="914400" rtl="0" eaLnBrk="1" latinLnBrk="0" hangingPunct="1">
+        <a:lnSpc>
+          <a:spcPct val="90000"/>
+        </a:lnSpc>
+        <a:spcBef>
+          <a:spcPts val="1000"/>
+        </a:spcBef>
+        <a:buFont typeface="Arial" panose="020B0604020202020204" pitchFamily="34" charset="0"/>
+        <a:buChar char="•"/>
+        <a:defRPr sz="2800" kern="1200">
+          <a:solidFill>
+            <a:schemeClr val="tx1"/>
+          </a:solidFill>
+          <a:latin typeface="+mn-lt"/>
+          <a:ea typeface="+mn-ea"/>
+          <a:cs typeface="+mn-cs"/>
+        </a:defRPr>
+      </a:lvl1pPr>
+      <a:lvl2pPr marL="685800" indent="-228600" algn="l" defTabSz="914400" rtl="0" eaLnBrk="1" latinLnBrk="0" hangingPunct="1">
+        <a:lnSpc>
+          <a:spcPct val="90000"/>
+        </a:lnSpc>
+        <a:spcBef>
+          <a:spcPts val="500"/>
+        </a:spcBef>
+        <a:buFont typeface="Arial" panose="020B0604020202020204" pitchFamily="34" charset="0"/>
+        <a:buChar char="•"/>
+        <a:defRPr sz="2400" kern="1200">
+          <a:solidFill>
+            <a:schemeClr val="tx1"/>
+          </a:solidFill>
+          <a:latin typeface="+mn-lt"/>
+          <a:ea typeface="+mn-ea"/>
+          <a:cs typeface="+mn-cs"/>
+        </a:defRPr>
+      </a:lvl2pPr>
+      <a:lvl3pPr marL="1143000" indent="-228600" algn="l" defTabSz="914400" rtl="0" eaLnBrk="1" latinLnBrk="0" hangingPunct="1">
+        <a:lnSpc>
+          <a:spcPct val="90000"/>
+        </a:lnSpc>
+        <a:spcBef>
+          <a:spcPts val="500"/>
+        </a:spcBef>
+        <a:buFont typeface="Arial" panose="020B0604020202020204" pitchFamily="34" charset="0"/>
+        <a:buChar char="•"/>
+        <a:defRPr sz="2000" kern="1200">
+          <a:solidFill>
+            <a:schemeClr val="tx1"/>
+          </a:solidFill>
+          <a:latin typeface="+mn-lt"/>
+          <a:ea typeface="+mn-ea"/>
+          <a:cs typeface="+mn-cs"/>
+        </a:defRPr>
+      </a:lvl3pPr>
+      <a:lvl4pPr marL="1600200" indent="-228600" algn="l" defTabSz="914400" rtl="0" eaLnBrk="1" latinLnBrk="0" hangingPunct="1">
+        <a:lnSpc>
+          <a:spcPct val="90000"/>
+        </a:lnSpc>
+        <a:spcBef>
+          <a:spcPts val="500"/>
+        </a:spcBef>
+        <a:buFont typeface="Arial" panose="020B0604020202020204" pitchFamily="34" charset="0"/>
+        <a:buChar char="•"/>
+        <a:defRPr sz="1800" kern="1200">
+          <a:solidFill>
+            <a:schemeClr val="tx1"/>
+          </a:solidFill>
+          <a:latin typeface="+mn-lt"/>
+          <a:ea typeface="+mn-ea"/>
+          <a:cs typeface="+mn-cs"/>
+        </a:defRPr>
+      </a:lvl4pPr>
+      <a:lvl5pPr marL="2057400" indent="-228600" algn="l" defTabSz="914400" rtl="0" eaLnBrk="1" latinLnBrk="0" hangingPunct="1">
+        <a:lnSpc>
+          <a:spcPct val="90000"/>
+        </a:lnSpc>
+        <a:spcBef>
+          <a:spcPts val="500"/>
+        </a:spcBef>
+        <a:buFont typeface="Arial" panose="020B0604020202020204" pitchFamily="34" charset="0"/>
+        <a:buChar char="•"/>
+        <a:defRPr sz="1800" kern="1200">
+          <a:solidFill>
+            <a:schemeClr val="tx1"/>
+          </a:solidFill>
+          <a:latin typeface="+mn-lt"/>
+          <a:ea typeface="+mn-ea"/>
+          <a:cs typeface="+mn-cs"/>
+        </a:defRPr>
+      </a:lvl5pPr>
+      <a:lvl6pPr marL="2514600" indent="-228600" algn="l" defTabSz="914400" rtl="0" eaLnBrk="1" latinLnBrk="0" hangingPunct="1">
+        <a:lnSpc>
+          <a:spcPct val="90000"/>
+        </a:lnSpc>
+        <a:spcBef>
+          <a:spcPts val="500"/>
+        </a:spcBef>
+        <a:buFont typeface="Arial" panose="020B0604020202020204" pitchFamily="34" charset="0"/>
+        <a:buChar char="•"/>
+        <a:defRPr sz="1800" kern="1200">
+          <a:solidFill>
+            <a:schemeClr val="tx1"/>
+          </a:solidFill>
+          <a:latin typeface="+mn-lt"/>
+          <a:ea typeface="+mn-ea"/>
+          <a:cs typeface="+mn-cs"/>
+        </a:defRPr>
+      </a:lvl6pPr>
+      <a:lvl7pPr marL="2971800" indent="-228600" algn="l" defTabSz="914400" rtl="0" eaLnBrk="1" latinLnBrk="0" hangingPunct="1">
+        <a:lnSpc>
+          <a:spcPct val="90000"/>
+        </a:lnSpc>
+        <a:spcBef>
+          <a:spcPts val="500"/>
+        </a:spcBef>
+        <a:buFont typeface="Arial" panose="020B0604020202020204" pitchFamily="34" charset="0"/>
+        <a:buChar char="•"/>
+        <a:defRPr sz="1800" kern="1200">
+          <a:solidFill>
+            <a:schemeClr val="tx1"/>
+          </a:solidFill>
+          <a:latin typeface="+mn-lt"/>
+          <a:ea typeface="+mn-ea"/>
+          <a:cs typeface="+mn-cs"/>
+        </a:defRPr>
+      </a:lvl7pPr>
+      <a:lvl8pPr marL="3429000" indent="-228600" algn="l" defTabSz="914400" rtl="0" eaLnBrk="1" latinLnBrk="0" hangingPunct="1">
+        <a:lnSpc>
+          <a:spcPct val="90000"/>
+        </a:lnSpc>
+        <a:spcBef>
+          <a:spcPts val="500"/>
+        </a:spcBef>
+        <a:buFont typeface="Arial" panose="020B0604020202020204" pitchFamily="34" charset="0"/>
+        <a:buChar char="•"/>
+        <a:defRPr sz="1800" kern="1200">
+          <a:solidFill>
+            <a:schemeClr val="tx1"/>
+          </a:solidFill>
+          <a:latin typeface="+mn-lt"/>
+          <a:ea typeface="+mn-ea"/>
+          <a:cs typeface="+mn-cs"/>
+        </a:defRPr>
+      </a:lvl8pPr>
+      <a:lvl9pPr marL="3886200" indent="-228600" algn="l" defTabSz="914400" rtl="0" eaLnBrk="1" latinLnBrk="0" hangingPunct="1">
+        <a:lnSpc>
+          <a:spcPct val="90000"/>
+        </a:lnSpc>
+        <a:spcBef>
+          <a:spcPts val="500"/>
+        </a:spcBef>
+        <a:buFont typeface="Arial" panose="020B0604020202020204" pitchFamily="34" charset="0"/>
+        <a:buChar char="•"/>
+        <a:defRPr sz="1800" kern="1200">
+          <a:solidFill>
+            <a:schemeClr val="tx1"/>
+          </a:solidFill>
+          <a:latin typeface="+mn-lt"/>
+          <a:ea typeface="+mn-ea"/>
+          <a:cs typeface="+mn-cs"/>
+        </a:defRPr>
+      </a:lvl9pPr>
+    </p:bodyStyle>
+    <p:otherStyle>
+      <a:defPPr>
+        <a:defRPr lang="en-US"/>
+      </a:defPPr>
+      <a:lvl1pPr marL="0" algn="l" defTabSz="914400" rtl="0" eaLnBrk="1" latinLnBrk="0" hangingPunct="1">
+        <a:defRPr sz="1800" kern="1200">
+          <a:solidFill>
+            <a:schemeClr val="tx1"/>
+          </a:solidFill>
+          <a:latin typeface="+mn-lt"/>
+          <a:ea typeface="+mn-ea"/>
+          <a:cs typeface="+mn-cs"/>
+        </a:defRPr>
+      </a:lvl1pPr>
+      <a:lvl2pPr marL="457200" algn="l" defTabSz="914400" rtl="0" eaLnBrk="1" latinLnBrk="0" hangingPunct="1">
+        <a:defRPr sz="1800" kern="1200">
+          <a:solidFill>
+            <a:schemeClr val="tx1"/>
+          </a:solidFill>
+          <a:latin typeface="+mn-lt"/>
+          <a:ea typeface="+mn-ea"/>
+          <a:cs typeface="+mn-cs"/>
+        </a:defRPr>
+      </a:lvl2pPr>
+      <a:lvl3pPr marL="914400" algn="l" defTabSz="914400" rtl="0" eaLnBrk="1" latinLnBrk="0" hangingPunct="1">
+        <a:defRPr sz="1800" kern="1200">
+          <a:solidFill>
+            <a:schemeClr val="tx1"/>
+          </a:solidFill>
+          <a:latin typeface="+mn-lt"/>
+          <a:ea typeface="+mn-ea"/>
+          <a:cs typeface="+mn-cs"/>
+        </a:defRPr>
+      </a:lvl3pPr>
+      <a:lvl4pPr marL="1371600" algn="l" defTabSz="914400" rtl="0" eaLnBrk="1" latinLnBrk="0" hangingPunct="1">
+        <a:defRPr sz="1800" kern="1200">
+          <a:solidFill>
+            <a:schemeClr val="tx1"/>
+          </a:solidFill>
+          <a:latin typeface="+mn-lt"/>
+          <a:ea typeface="+mn-ea"/>
+          <a:cs typeface="+mn-cs"/>
+        </a:defRPr>
+      </a:lvl4pPr>
+      <a:lvl5pPr marL="1828800" algn="l" defTabSz="914400" rtl="0" eaLnBrk="1" latinLnBrk="0" hangingPunct="1">
+        <a:defRPr sz="1800" kern="1200">
+          <a:solidFill>
+            <a:schemeClr val="tx1"/>
+          </a:solidFill>
+          <a:latin typeface="+mn-lt"/>
+          <a:ea typeface="+mn-ea"/>
+          <a:cs typeface="+mn-cs"/>
+        </a:defRPr>
+      </a:lvl5pPr>
+      <a:lvl6pPr marL="2286000" algn="l" defTabSz="914400" rtl="0" eaLnBrk="1" latinLnBrk="0" hangingPunct="1">
+        <a:defRPr sz="1800" kern="1200">
+          <a:solidFill>
+            <a:schemeClr val="tx1"/>
+          </a:solidFill>
+          <a:latin typeface="+mn-lt"/>
+          <a:ea typeface="+mn-ea"/>
+          <a:cs typeface="+mn-cs"/>
+        </a:defRPr>
+      </a:lvl6pPr>
+      <a:lvl7pPr marL="2743200" algn="l" defTabSz="914400" rtl="0" eaLnBrk="1" latinLnBrk="0" hangingPunct="1">
+        <a:defRPr sz="1800" kern="1200">
+          <a:solidFill>
+            <a:schemeClr val="tx1"/>
+          </a:solidFill>
+          <a:latin typeface="+mn-lt"/>
+          <a:ea typeface="+mn-ea"/>
+          <a:cs typeface="+mn-cs"/>
+        </a:defRPr>
+      </a:lvl7pPr>
+      <a:lvl8pPr marL="3200400" algn="l" defTabSz="914400" rtl="0" eaLnBrk="1" latinLnBrk="0" hangingPunct="1">
+        <a:defRPr sz="1800" kern="1200">
+          <a:solidFill>
+            <a:schemeClr val="tx1"/>
+          </a:solidFill>
+          <a:latin typeface="+mn-lt"/>
+          <a:ea typeface="+mn-ea"/>
+          <a:cs typeface="+mn-cs"/>
+        </a:defRPr>
+      </a:lvl8pPr>
+      <a:lvl9pPr marL="3657600" algn="l" defTabSz="914400" rtl="0" eaLnBrk="1" latinLnBrk="0" hangingPunct="1">
+        <a:defRPr sz="1800" kern="1200">
+          <a:solidFill>
+            <a:schemeClr val="tx1"/>
+          </a:solidFill>
+          <a:latin typeface="+mn-lt"/>
+          <a:ea typeface="+mn-ea"/>
+          <a:cs typeface="+mn-cs"/>
+        </a:defRPr>
+      </a:lvl9pPr>
+    </p:otherStyle>
+  </p:txStyles>
+</p:sldMaster>
+</file>
+
+<file path=ppt/slides/slide1.xml><?xml version="1.0" encoding="utf-8"?>
+<p:sld xmlns:a="http://schemas.openxmlformats.org/drawingml/2006/main" xmlns:r="http://schemas.openxmlformats.org/officeDocument/2006/relationships" xmlns:p="http://schemas.openxmlformats.org/presentationml/2006/main">
   <p:cSld>
     <p:spTree>
       <p:nvGrpSpPr>
@@ -1363,450 +2145,64 @@
       </p:grpSpPr>
       <p:sp>
         <p:nvSpPr>
-          <p:cNvPr id="0" name="PlaceHolder 1"/>
-          <p:cNvSpPr>
-            <a:spLocks noGrp="1"/>
-          </p:cNvSpPr>
-          <p:nvPr>
-            <p:ph type="title"/>
-          </p:nvPr>
-        </p:nvSpPr>
-        <p:spPr>
-          <a:xfrm>
-            <a:off x="504000" y="226080"/>
-            <a:ext cx="9071640" cy="946440"/>
-          </a:xfrm>
-          <a:prstGeom prst="rect">
-            <a:avLst/>
-          </a:prstGeom>
-        </p:spPr>
-        <p:txBody>
-          <a:bodyPr lIns="0" rIns="0" tIns="0" bIns="0" anchor="ctr"/>
-          <a:p>
-            <a:pPr algn="ctr"/>
-            <a:r>
-              <a:rPr b="0" lang="en-AU" sz="4400" spc="-1" strike="noStrike">
-                <a:latin typeface="Arial"/>
-              </a:rPr>
-              <a:t>Click </a:t>
-            </a:r>
-            <a:r>
-              <a:rPr b="0" lang="en-AU" sz="4400" spc="-1" strike="noStrike">
-                <a:latin typeface="Arial"/>
-              </a:rPr>
-              <a:t>to </a:t>
-            </a:r>
-            <a:r>
-              <a:rPr b="0" lang="en-AU" sz="4400" spc="-1" strike="noStrike">
-                <a:latin typeface="Arial"/>
-              </a:rPr>
-              <a:t>edit </a:t>
-            </a:r>
-            <a:r>
-              <a:rPr b="0" lang="en-AU" sz="4400" spc="-1" strike="noStrike">
-                <a:latin typeface="Arial"/>
-              </a:rPr>
-              <a:t>the </a:t>
-            </a:r>
-            <a:r>
-              <a:rPr b="0" lang="en-AU" sz="4400" spc="-1" strike="noStrike">
-                <a:latin typeface="Arial"/>
-              </a:rPr>
-              <a:t>title </a:t>
-            </a:r>
-            <a:r>
-              <a:rPr b="0" lang="en-AU" sz="4400" spc="-1" strike="noStrike">
-                <a:latin typeface="Arial"/>
-              </a:rPr>
-              <a:t>text </a:t>
-            </a:r>
-            <a:r>
-              <a:rPr b="0" lang="en-AU" sz="4400" spc="-1" strike="noStrike">
-                <a:latin typeface="Arial"/>
-              </a:rPr>
-              <a:t>form</a:t>
-            </a:r>
-            <a:r>
-              <a:rPr b="0" lang="en-AU" sz="4400" spc="-1" strike="noStrike">
-                <a:latin typeface="Arial"/>
-              </a:rPr>
-              <a:t>at</a:t>
-            </a:r>
-            <a:endParaRPr b="0" lang="en-AU" sz="4400" spc="-1" strike="noStrike">
-              <a:latin typeface="Arial"/>
-            </a:endParaRPr>
-          </a:p>
-        </p:txBody>
-      </p:sp>
-      <p:sp>
-        <p:nvSpPr>
-          <p:cNvPr id="1" name="PlaceHolder 2"/>
-          <p:cNvSpPr>
-            <a:spLocks noGrp="1"/>
-          </p:cNvSpPr>
-          <p:nvPr>
-            <p:ph type="body"/>
-          </p:nvPr>
-        </p:nvSpPr>
-        <p:spPr>
-          <a:xfrm>
-            <a:off x="504000" y="1326600"/>
-            <a:ext cx="9071640" cy="3288240"/>
-          </a:xfrm>
-          <a:prstGeom prst="rect">
-            <a:avLst/>
-          </a:prstGeom>
-        </p:spPr>
-        <p:txBody>
-          <a:bodyPr lIns="0" rIns="0" tIns="0" bIns="0">
-            <a:normAutofit/>
-          </a:bodyPr>
-          <a:p>
-            <a:pPr marL="432000" indent="-324000">
-              <a:spcBef>
-                <a:spcPts val="1417"/>
-              </a:spcBef>
-              <a:buClr>
-                <a:srgbClr val="000000"/>
-              </a:buClr>
-              <a:buSzPct val="45000"/>
-              <a:buFont typeface="Wingdings" charset="2"/>
-              <a:buChar char=""/>
-            </a:pPr>
-            <a:r>
-              <a:rPr b="0" lang="en-AU" sz="3200" spc="-1" strike="noStrike">
-                <a:latin typeface="Arial"/>
-              </a:rPr>
-              <a:t>Click to edit the outline text format</a:t>
-            </a:r>
-            <a:endParaRPr b="0" lang="en-AU" sz="3200" spc="-1" strike="noStrike">
-              <a:latin typeface="Arial"/>
-            </a:endParaRPr>
-          </a:p>
-          <a:p>
-            <a:pPr lvl="1" marL="864000" indent="-324000">
-              <a:spcBef>
-                <a:spcPts val="1134"/>
-              </a:spcBef>
-              <a:buClr>
-                <a:srgbClr val="000000"/>
-              </a:buClr>
-              <a:buSzPct val="75000"/>
-              <a:buFont typeface="Symbol" charset="2"/>
-              <a:buChar char=""/>
-            </a:pPr>
-            <a:r>
-              <a:rPr b="0" lang="en-AU" sz="2800" spc="-1" strike="noStrike">
-                <a:latin typeface="Arial"/>
-              </a:rPr>
-              <a:t>Second Outline Level</a:t>
-            </a:r>
-            <a:endParaRPr b="0" lang="en-AU" sz="2800" spc="-1" strike="noStrike">
-              <a:latin typeface="Arial"/>
-            </a:endParaRPr>
-          </a:p>
-          <a:p>
-            <a:pPr lvl="2" marL="1296000" indent="-288000">
-              <a:spcBef>
-                <a:spcPts val="850"/>
-              </a:spcBef>
-              <a:buClr>
-                <a:srgbClr val="000000"/>
-              </a:buClr>
-              <a:buSzPct val="45000"/>
-              <a:buFont typeface="Wingdings" charset="2"/>
-              <a:buChar char=""/>
-            </a:pPr>
-            <a:r>
-              <a:rPr b="0" lang="en-AU" sz="2400" spc="-1" strike="noStrike">
-                <a:latin typeface="Arial"/>
-              </a:rPr>
-              <a:t>Third Outline Level</a:t>
-            </a:r>
-            <a:endParaRPr b="0" lang="en-AU" sz="2400" spc="-1" strike="noStrike">
-              <a:latin typeface="Arial"/>
-            </a:endParaRPr>
-          </a:p>
-          <a:p>
-            <a:pPr lvl="3" marL="1728000" indent="-216000">
-              <a:spcBef>
-                <a:spcPts val="567"/>
-              </a:spcBef>
-              <a:buClr>
-                <a:srgbClr val="000000"/>
-              </a:buClr>
-              <a:buSzPct val="75000"/>
-              <a:buFont typeface="Symbol" charset="2"/>
-              <a:buChar char=""/>
-            </a:pPr>
-            <a:r>
-              <a:rPr b="0" lang="en-AU" sz="2000" spc="-1" strike="noStrike">
-                <a:latin typeface="Arial"/>
-              </a:rPr>
-              <a:t>Fourth Outline Level</a:t>
-            </a:r>
-            <a:endParaRPr b="0" lang="en-AU" sz="2000" spc="-1" strike="noStrike">
-              <a:latin typeface="Arial"/>
-            </a:endParaRPr>
-          </a:p>
-          <a:p>
-            <a:pPr lvl="4" marL="2160000" indent="-216000">
-              <a:spcBef>
-                <a:spcPts val="283"/>
-              </a:spcBef>
-              <a:buClr>
-                <a:srgbClr val="000000"/>
-              </a:buClr>
-              <a:buSzPct val="45000"/>
-              <a:buFont typeface="Wingdings" charset="2"/>
-              <a:buChar char=""/>
-            </a:pPr>
-            <a:r>
-              <a:rPr b="0" lang="en-AU" sz="2000" spc="-1" strike="noStrike">
-                <a:latin typeface="Arial"/>
-              </a:rPr>
-              <a:t>Fifth Outline Level</a:t>
-            </a:r>
-            <a:endParaRPr b="0" lang="en-AU" sz="2000" spc="-1" strike="noStrike">
-              <a:latin typeface="Arial"/>
-            </a:endParaRPr>
-          </a:p>
-          <a:p>
-            <a:pPr lvl="5" marL="2592000" indent="-216000">
-              <a:spcBef>
-                <a:spcPts val="283"/>
-              </a:spcBef>
-              <a:buClr>
-                <a:srgbClr val="000000"/>
-              </a:buClr>
-              <a:buSzPct val="45000"/>
-              <a:buFont typeface="Wingdings" charset="2"/>
-              <a:buChar char=""/>
-            </a:pPr>
-            <a:r>
-              <a:rPr b="0" lang="en-AU" sz="2000" spc="-1" strike="noStrike">
-                <a:latin typeface="Arial"/>
-              </a:rPr>
-              <a:t>Sixth Outline Level</a:t>
-            </a:r>
-            <a:endParaRPr b="0" lang="en-AU" sz="2000" spc="-1" strike="noStrike">
-              <a:latin typeface="Arial"/>
-            </a:endParaRPr>
-          </a:p>
-          <a:p>
-            <a:pPr lvl="6" marL="3024000" indent="-216000">
-              <a:spcBef>
-                <a:spcPts val="283"/>
-              </a:spcBef>
-              <a:buClr>
-                <a:srgbClr val="000000"/>
-              </a:buClr>
-              <a:buSzPct val="45000"/>
-              <a:buFont typeface="Wingdings" charset="2"/>
-              <a:buChar char=""/>
-            </a:pPr>
-            <a:r>
-              <a:rPr b="0" lang="en-AU" sz="2000" spc="-1" strike="noStrike">
-                <a:latin typeface="Arial"/>
-              </a:rPr>
-              <a:t>Seventh Outline Level</a:t>
-            </a:r>
-            <a:endParaRPr b="0" lang="en-AU" sz="2000" spc="-1" strike="noStrike">
-              <a:latin typeface="Arial"/>
-            </a:endParaRPr>
-          </a:p>
-        </p:txBody>
-      </p:sp>
-      <p:sp>
-        <p:nvSpPr>
-          <p:cNvPr id="2" name="PlaceHolder 3"/>
-          <p:cNvSpPr>
-            <a:spLocks noGrp="1"/>
-          </p:cNvSpPr>
-          <p:nvPr>
-            <p:ph type="dt"/>
-          </p:nvPr>
-        </p:nvSpPr>
-        <p:spPr>
-          <a:xfrm>
-            <a:off x="504000" y="5165280"/>
-            <a:ext cx="2348280" cy="390600"/>
-          </a:xfrm>
-          <a:prstGeom prst="rect">
-            <a:avLst/>
-          </a:prstGeom>
-        </p:spPr>
-        <p:txBody>
-          <a:bodyPr lIns="0" rIns="0" tIns="0" bIns="0"/>
-          <a:p>
-            <a:r>
-              <a:rPr b="0" lang="en-AU" sz="1400" spc="-1" strike="noStrike">
-                <a:latin typeface="Times New Roman"/>
-              </a:rPr>
-              <a:t>&lt;date/time&gt;</a:t>
-            </a:r>
-            <a:endParaRPr b="0" lang="en-AU" sz="1400" spc="-1" strike="noStrike">
-              <a:latin typeface="Times New Roman"/>
-            </a:endParaRPr>
-          </a:p>
-        </p:txBody>
-      </p:sp>
-      <p:sp>
-        <p:nvSpPr>
-          <p:cNvPr id="3" name="PlaceHolder 4"/>
-          <p:cNvSpPr>
-            <a:spLocks noGrp="1"/>
-          </p:cNvSpPr>
-          <p:nvPr>
-            <p:ph type="ftr"/>
-          </p:nvPr>
-        </p:nvSpPr>
-        <p:spPr>
-          <a:xfrm>
-            <a:off x="3447360" y="5165280"/>
-            <a:ext cx="3195000" cy="390600"/>
-          </a:xfrm>
-          <a:prstGeom prst="rect">
-            <a:avLst/>
-          </a:prstGeom>
-        </p:spPr>
-        <p:txBody>
-          <a:bodyPr lIns="0" rIns="0" tIns="0" bIns="0"/>
-          <a:p>
-            <a:pPr algn="ctr"/>
-            <a:r>
-              <a:rPr b="0" lang="en-AU" sz="1400" spc="-1" strike="noStrike">
-                <a:latin typeface="Times New Roman"/>
-              </a:rPr>
-              <a:t>&lt;footer&gt;</a:t>
-            </a:r>
-            <a:endParaRPr b="0" lang="en-AU" sz="1400" spc="-1" strike="noStrike">
-              <a:latin typeface="Times New Roman"/>
-            </a:endParaRPr>
-          </a:p>
-        </p:txBody>
-      </p:sp>
-      <p:sp>
-        <p:nvSpPr>
-          <p:cNvPr id="4" name="PlaceHolder 5"/>
-          <p:cNvSpPr>
-            <a:spLocks noGrp="1"/>
-          </p:cNvSpPr>
-          <p:nvPr>
-            <p:ph type="sldNum"/>
-          </p:nvPr>
-        </p:nvSpPr>
-        <p:spPr>
-          <a:xfrm>
-            <a:off x="7227360" y="5165280"/>
-            <a:ext cx="2348280" cy="390600"/>
-          </a:xfrm>
-          <a:prstGeom prst="rect">
-            <a:avLst/>
-          </a:prstGeom>
-        </p:spPr>
-        <p:txBody>
-          <a:bodyPr lIns="0" rIns="0" tIns="0" bIns="0"/>
-          <a:p>
-            <a:pPr algn="r"/>
-            <a:fld id="{25360518-4D07-47C8-918B-6CEF61C71480}" type="slidenum">
-              <a:rPr b="0" lang="en-AU" sz="1400" spc="-1" strike="noStrike">
-                <a:latin typeface="Times New Roman"/>
-              </a:rPr>
-              <a:t>&lt;number&gt;</a:t>
-            </a:fld>
-            <a:endParaRPr b="0" lang="en-AU" sz="1400" spc="-1" strike="noStrike">
-              <a:latin typeface="Times New Roman"/>
-            </a:endParaRPr>
-          </a:p>
-        </p:txBody>
-      </p:sp>
-    </p:spTree>
-  </p:cSld>
-  <p:clrMap bg1="lt1" bg2="lt2" tx1="dk1" tx2="dk2" accent1="accent1" accent2="accent2" accent3="accent3" accent4="accent4" accent5="accent5" accent6="accent6" hlink="hlink" folHlink="folHlink"/>
-  <p:sldLayoutIdLst>
-    <p:sldLayoutId id="2147483649" r:id="rId2"/>
-    <p:sldLayoutId id="2147483650" r:id="rId3"/>
-    <p:sldLayoutId id="2147483651" r:id="rId4"/>
-    <p:sldLayoutId id="2147483652" r:id="rId5"/>
-    <p:sldLayoutId id="2147483653" r:id="rId6"/>
-    <p:sldLayoutId id="2147483654" r:id="rId7"/>
-    <p:sldLayoutId id="2147483655" r:id="rId8"/>
-    <p:sldLayoutId id="2147483656" r:id="rId9"/>
-    <p:sldLayoutId id="2147483657" r:id="rId10"/>
-    <p:sldLayoutId id="2147483658" r:id="rId11"/>
-    <p:sldLayoutId id="2147483659" r:id="rId12"/>
-    <p:sldLayoutId id="2147483660" r:id="rId13"/>
-  </p:sldLayoutIdLst>
-</p:sldMaster>
-</file>
-
-<file path=ppt/slides/slide1.xml><?xml version="1.0" encoding="utf-8"?>
-<p:sld xmlns:a="http://schemas.openxmlformats.org/drawingml/2006/main" xmlns:p="http://schemas.openxmlformats.org/presentationml/2006/main" xmlns:r="http://schemas.openxmlformats.org/officeDocument/2006/relationships" xmlns:p14="http://schemas.microsoft.com/office/powerpoint/2010/main" xmlns:p15="http://schemas.microsoft.com/office/powerpoint/2012/main" xmlns:mc="http://schemas.openxmlformats.org/markup-compatibility/2006">
-  <p:cSld>
-    <p:spTree>
-      <p:nvGrpSpPr>
-        <p:cNvPr id="1" name=""/>
-        <p:cNvGrpSpPr/>
-        <p:nvPr/>
-      </p:nvGrpSpPr>
-      <p:grpSpPr>
-        <a:xfrm>
-          <a:off x="0" y="0"/>
-          <a:ext cx="0" cy="0"/>
-          <a:chOff x="0" y="0"/>
-          <a:chExt cx="0" cy="0"/>
-        </a:xfrm>
-      </p:grpSpPr>
-      <p:sp>
-        <p:nvSpPr>
           <p:cNvPr id="41" name="CustomShape 1"/>
           <p:cNvSpPr/>
           <p:nvPr/>
         </p:nvSpPr>
         <p:spPr>
           <a:xfrm>
-            <a:off x="4968000" y="648000"/>
+            <a:off x="4968000" y="654626"/>
             <a:ext cx="2520000" cy="1944000"/>
           </a:xfrm>
           <a:prstGeom prst="rect">
             <a:avLst/>
           </a:prstGeom>
           <a:solidFill>
-            <a:srgbClr val="fedcc6"/>
+            <a:srgbClr val="FEDCC6"/>
           </a:solidFill>
           <a:ln>
             <a:solidFill>
-              <a:srgbClr val="3465a4"/>
+              <a:srgbClr val="3465A4"/>
             </a:solidFill>
           </a:ln>
+          <a:effectLst>
+            <a:outerShdw blurRad="50800" dist="38100" dir="2700000" algn="tl" rotWithShape="0">
+              <a:prstClr val="black">
+                <a:alpha val="40000"/>
+              </a:prstClr>
+            </a:outerShdw>
+          </a:effectLst>
         </p:spPr>
         <p:style>
-          <a:lnRef idx="0"/>
-          <a:fillRef idx="0"/>
-          <a:effectRef idx="0"/>
+          <a:lnRef idx="0">
+            <a:scrgbClr r="0" g="0" b="0"/>
+          </a:lnRef>
+          <a:fillRef idx="0">
+            <a:scrgbClr r="0" g="0" b="0"/>
+          </a:fillRef>
+          <a:effectRef idx="0">
+            <a:scrgbClr r="0" g="0" b="0"/>
+          </a:effectRef>
           <a:fontRef idx="minor"/>
         </p:style>
         <p:txBody>
-          <a:bodyPr wrap="none" lIns="90000" rIns="90000" tIns="45000" bIns="45000"/>
+          <a:bodyPr wrap="none" lIns="90000" tIns="45000" rIns="90000" bIns="45000"/>
+          <a:lstStyle/>
           <a:p>
             <a:pPr algn="ctr"/>
             <a:r>
-              <a:rPr b="1" lang="en-AU" sz="1800" spc="-1" strike="noStrike">
+              <a:rPr lang="en-AU" sz="1800" b="1" strike="noStrike" spc="-1">
                 <a:latin typeface="Arial"/>
               </a:rPr>
               <a:t>AWS Lambda </a:t>
             </a:r>
             <a:br/>
             <a:r>
-              <a:rPr b="1" lang="en-AU" sz="1800" spc="-1" strike="noStrike">
+              <a:rPr lang="en-AU" sz="1800" b="1" strike="noStrike" spc="-1">
                 <a:latin typeface="Arial"/>
               </a:rPr>
               <a:t>Run-time Environment</a:t>
             </a:r>
-            <a:endParaRPr b="1" lang="en-AU" sz="1800" spc="-1" strike="noStrike">
-              <a:latin typeface="Arial"/>
-            </a:endParaRPr>
           </a:p>
         </p:txBody>
       </p:sp>
@@ -1818,46 +2214,54 @@
         </p:nvSpPr>
         <p:spPr>
           <a:xfrm>
-            <a:off x="5256000" y="1440000"/>
+            <a:off x="5256000" y="1473556"/>
             <a:ext cx="1872000" cy="648000"/>
           </a:xfrm>
           <a:prstGeom prst="rect">
             <a:avLst/>
           </a:prstGeom>
           <a:solidFill>
-            <a:srgbClr val="f58220"/>
+            <a:srgbClr val="F58220"/>
           </a:solidFill>
           <a:ln>
             <a:solidFill>
-              <a:srgbClr val="3465a4"/>
+              <a:srgbClr val="3465A4"/>
             </a:solidFill>
           </a:ln>
+          <a:effectLst>
+            <a:outerShdw blurRad="50800" dist="38100" dir="2700000" algn="tl" rotWithShape="0">
+              <a:prstClr val="black">
+                <a:alpha val="40000"/>
+              </a:prstClr>
+            </a:outerShdw>
+          </a:effectLst>
         </p:spPr>
         <p:style>
-          <a:lnRef idx="0"/>
-          <a:fillRef idx="0"/>
-          <a:effectRef idx="0"/>
+          <a:lnRef idx="0">
+            <a:scrgbClr r="0" g="0" b="0"/>
+          </a:lnRef>
+          <a:fillRef idx="0">
+            <a:scrgbClr r="0" g="0" b="0"/>
+          </a:fillRef>
+          <a:effectRef idx="0">
+            <a:scrgbClr r="0" g="0" b="0"/>
+          </a:effectRef>
           <a:fontRef idx="minor"/>
         </p:style>
         <p:txBody>
-          <a:bodyPr wrap="none" lIns="90000" rIns="90000" tIns="45000" bIns="45000" anchor="ctr"/>
+          <a:bodyPr wrap="none" lIns="90000" tIns="45000" rIns="90000" bIns="45000" anchor="ctr"/>
+          <a:lstStyle/>
           <a:p>
             <a:pPr algn="ctr"/>
             <a:r>
-              <a:rPr b="1" lang="en-AU" sz="1800" spc="-1" strike="noStrike">
+              <a:rPr lang="en-AU" sz="1800" b="1" strike="noStrike" spc="-1">
                 <a:solidFill>
-                  <a:srgbClr val="ffffff"/>
+                  <a:srgbClr val="FFFFFF"/>
                 </a:solidFill>
                 <a:latin typeface="Arial"/>
               </a:rPr>
               <a:t>EmailSender</a:t>
             </a:r>
-            <a:endParaRPr b="1" lang="en-AU" sz="1800" spc="-1" strike="noStrike">
-              <a:solidFill>
-                <a:srgbClr val="ffffff"/>
-              </a:solidFill>
-              <a:latin typeface="Arial"/>
-            </a:endParaRPr>
           </a:p>
         </p:txBody>
       </p:sp>
@@ -1869,13 +2273,14 @@
         </p:nvSpPr>
         <p:spPr>
           <a:xfrm>
-            <a:off x="8388000" y="1224000"/>
+            <a:off x="8388000" y="1198833"/>
             <a:ext cx="1296000" cy="1080000"/>
           </a:xfrm>
           <a:custGeom>
             <a:avLst/>
             <a:gdLst/>
             <a:ahLst/>
+            <a:cxnLst/>
             <a:rect l="0" t="0" r="r" b="b"/>
             <a:pathLst>
               <a:path w="3602" h="3002">
@@ -1918,11 +2323,11 @@
             </a:pathLst>
           </a:custGeom>
           <a:solidFill>
-            <a:srgbClr val="7477b8"/>
+            <a:srgbClr val="7477B8"/>
           </a:solidFill>
           <a:ln>
             <a:solidFill>
-              <a:srgbClr val="3465a4"/>
+              <a:srgbClr val="3465A4"/>
             </a:solidFill>
           </a:ln>
           <a:effectLst>
@@ -1932,84 +2337,31 @@
           </a:effectLst>
         </p:spPr>
         <p:style>
-          <a:lnRef idx="0"/>
-          <a:fillRef idx="0"/>
-          <a:effectRef idx="0"/>
+          <a:lnRef idx="0">
+            <a:scrgbClr r="0" g="0" b="0"/>
+          </a:lnRef>
+          <a:fillRef idx="0">
+            <a:scrgbClr r="0" g="0" b="0"/>
+          </a:fillRef>
+          <a:effectRef idx="0">
+            <a:scrgbClr r="0" g="0" b="0"/>
+          </a:effectRef>
           <a:fontRef idx="minor"/>
         </p:style>
         <p:txBody>
-          <a:bodyPr wrap="none" lIns="90000" rIns="90000" tIns="45000" bIns="45000" anchor="ctr"/>
+          <a:bodyPr wrap="none" lIns="90000" tIns="45000" rIns="90000" bIns="45000" anchor="ctr"/>
+          <a:lstStyle/>
           <a:p>
             <a:pPr algn="ctr"/>
             <a:r>
-              <a:rPr b="1" lang="en-AU" sz="1800" spc="-1" strike="noStrike">
+              <a:rPr lang="en-AU" sz="1800" b="1" strike="noStrike" spc="-1">
                 <a:solidFill>
-                  <a:srgbClr val="ffffff"/>
+                  <a:srgbClr val="FFFFFF"/>
                 </a:solidFill>
                 <a:latin typeface="Arial"/>
               </a:rPr>
-              <a:t>A</a:t>
+              <a:t>AWS SES</a:t>
             </a:r>
-            <a:r>
-              <a:rPr b="1" lang="en-AU" sz="1800" spc="-1" strike="noStrike">
-                <a:solidFill>
-                  <a:srgbClr val="ffffff"/>
-                </a:solidFill>
-                <a:latin typeface="Arial"/>
-              </a:rPr>
-              <a:t>W</a:t>
-            </a:r>
-            <a:r>
-              <a:rPr b="1" lang="en-AU" sz="1800" spc="-1" strike="noStrike">
-                <a:solidFill>
-                  <a:srgbClr val="ffffff"/>
-                </a:solidFill>
-                <a:latin typeface="Arial"/>
-              </a:rPr>
-              <a:t>S</a:t>
-            </a:r>
-            <a:r>
-              <a:rPr b="1" lang="en-AU" sz="1800" spc="-1" strike="noStrike">
-                <a:solidFill>
-                  <a:srgbClr val="ffffff"/>
-                </a:solidFill>
-                <a:latin typeface="Arial"/>
-              </a:rPr>
-              <a:t> </a:t>
-            </a:r>
-            <a:r>
-              <a:rPr b="1" lang="en-AU" sz="1800" spc="-1" strike="noStrike">
-                <a:solidFill>
-                  <a:srgbClr val="ffffff"/>
-                </a:solidFill>
-                <a:latin typeface="Arial"/>
-              </a:rPr>
-              <a:t>S</a:t>
-            </a:r>
-            <a:r>
-              <a:rPr b="1" lang="en-AU" sz="1800" spc="-1" strike="noStrike">
-                <a:solidFill>
-                  <a:srgbClr val="ffffff"/>
-                </a:solidFill>
-                <a:latin typeface="Arial"/>
-              </a:rPr>
-              <a:t>E</a:t>
-            </a:r>
-            <a:r>
-              <a:rPr b="1" lang="en-AU" sz="1800" spc="-1" strike="noStrike">
-                <a:solidFill>
-                  <a:srgbClr val="ffffff"/>
-                </a:solidFill>
-                <a:latin typeface="Arial"/>
-              </a:rPr>
-              <a:t>S</a:t>
-            </a:r>
-            <a:endParaRPr b="1" lang="en-AU" sz="1800" spc="-1" strike="noStrike">
-              <a:solidFill>
-                <a:srgbClr val="ffffff"/>
-              </a:solidFill>
-              <a:latin typeface="Arial"/>
-            </a:endParaRPr>
           </a:p>
         </p:txBody>
       </p:sp>
@@ -2021,8 +2373,8 @@
         </p:nvGrpSpPr>
         <p:grpSpPr>
           <a:xfrm>
-            <a:off x="1368000" y="4320000"/>
-            <a:ext cx="2899440" cy="792000"/>
+            <a:off x="1727998" y="4320000"/>
+            <a:ext cx="2539441" cy="792000"/>
             <a:chOff x="1368000" y="4320000"/>
             <a:chExt cx="2899440" cy="792000"/>
           </a:xfrm>
@@ -2044,18 +2396,24 @@
               </a:avLst>
             </a:prstGeom>
             <a:solidFill>
-              <a:srgbClr val="729fcf"/>
+              <a:srgbClr val="729FCF"/>
             </a:solidFill>
             <a:ln>
               <a:solidFill>
-                <a:srgbClr val="3465a4"/>
+                <a:srgbClr val="3465A4"/>
               </a:solidFill>
             </a:ln>
           </p:spPr>
           <p:style>
-            <a:lnRef idx="0"/>
-            <a:fillRef idx="0"/>
-            <a:effectRef idx="0"/>
+            <a:lnRef idx="0">
+              <a:scrgbClr r="0" g="0" b="0"/>
+            </a:lnRef>
+            <a:fillRef idx="0">
+              <a:scrgbClr r="0" g="0" b="0"/>
+            </a:fillRef>
+            <a:effectRef idx="0">
+              <a:scrgbClr r="0" g="0" b="0"/>
+            </a:effectRef>
             <a:fontRef idx="minor"/>
           </p:style>
         </p:sp>
@@ -2067,8 +2425,8 @@
           </p:nvSpPr>
           <p:spPr>
             <a:xfrm>
-              <a:off x="2030760" y="4428000"/>
-              <a:ext cx="2236680" cy="556560"/>
+              <a:off x="1643040" y="4428000"/>
+              <a:ext cx="2624400" cy="556560"/>
             </a:xfrm>
             <a:prstGeom prst="rect">
               <a:avLst/>
@@ -2079,7 +2437,8 @@
             </a:ln>
           </p:spPr>
           <p:txBody>
-            <a:bodyPr lIns="90000" rIns="90000" tIns="45000" bIns="45000"/>
+            <a:bodyPr lIns="90000" tIns="45000" rIns="90000" bIns="45000"/>
+            <a:lstStyle/>
             <a:p>
               <a:pPr algn="ctr">
                 <a:lnSpc>
@@ -2087,30 +2446,26 @@
                 </a:lnSpc>
               </a:pPr>
               <a:r>
-                <a:rPr b="1" lang="en-AU" sz="1800" spc="-1" strike="noStrike">
+                <a:rPr lang="en-AU" sz="1800" b="1" strike="noStrike" spc="-1" dirty="0">
                   <a:solidFill>
-                    <a:srgbClr val="ffffff"/>
+                    <a:srgbClr val="FFFFFF"/>
                   </a:solidFill>
                   <a:latin typeface="Arial"/>
                 </a:rPr>
                 <a:t>Dead-Letter-Queue</a:t>
               </a:r>
-              <a:br/>
+              <a:br>
+                <a:rPr dirty="0"/>
+              </a:br>
               <a:r>
-                <a:rPr b="1" lang="en-AU" sz="1600" spc="-1" strike="noStrike">
+                <a:rPr lang="en-AU" sz="1600" b="1" strike="noStrike" spc="-1" dirty="0">
                   <a:solidFill>
-                    <a:srgbClr val="ffffff"/>
+                    <a:srgbClr val="FFFFFF"/>
                   </a:solidFill>
                   <a:latin typeface="Arial"/>
                 </a:rPr>
                 <a:t>(AWS SQS)</a:t>
               </a:r>
-              <a:endParaRPr b="1" lang="en-AU" sz="1600" spc="-1" strike="noStrike">
-                <a:solidFill>
-                  <a:srgbClr val="ffffff"/>
-                </a:solidFill>
-                <a:latin typeface="Arial"/>
-              </a:endParaRPr>
             </a:p>
           </p:txBody>
         </p:sp>
@@ -2123,8 +2478,8 @@
         </p:nvGrpSpPr>
         <p:grpSpPr>
           <a:xfrm>
-            <a:off x="1368000" y="1224000"/>
-            <a:ext cx="2880000" cy="792000"/>
+            <a:off x="1728000" y="1232389"/>
+            <a:ext cx="2520000" cy="792000"/>
             <a:chOff x="1368000" y="1224000"/>
             <a:chExt cx="2880000" cy="792000"/>
           </a:xfrm>
@@ -2146,18 +2501,24 @@
               </a:avLst>
             </a:prstGeom>
             <a:solidFill>
-              <a:srgbClr val="729fcf"/>
+              <a:srgbClr val="729FCF"/>
             </a:solidFill>
             <a:ln>
               <a:solidFill>
-                <a:srgbClr val="3465a4"/>
+                <a:srgbClr val="3465A4"/>
               </a:solidFill>
             </a:ln>
           </p:spPr>
           <p:style>
-            <a:lnRef idx="0"/>
-            <a:fillRef idx="0"/>
-            <a:effectRef idx="0"/>
+            <a:lnRef idx="0">
+              <a:scrgbClr r="0" g="0" b="0"/>
+            </a:lnRef>
+            <a:fillRef idx="0">
+              <a:scrgbClr r="0" g="0" b="0"/>
+            </a:fillRef>
+            <a:effectRef idx="0">
+              <a:scrgbClr r="0" g="0" b="0"/>
+            </a:effectRef>
             <a:fontRef idx="minor"/>
           </p:style>
         </p:sp>
@@ -2169,8 +2530,8 @@
           </p:nvSpPr>
           <p:spPr>
             <a:xfrm>
-              <a:off x="2367720" y="1348200"/>
-              <a:ext cx="1517400" cy="556560"/>
+              <a:off x="1944002" y="1348200"/>
+              <a:ext cx="1941119" cy="556560"/>
             </a:xfrm>
             <a:prstGeom prst="rect">
               <a:avLst/>
@@ -2181,7 +2542,8 @@
             </a:ln>
           </p:spPr>
           <p:txBody>
-            <a:bodyPr lIns="90000" rIns="90000" tIns="45000" bIns="45000"/>
+            <a:bodyPr lIns="90000" tIns="45000" rIns="90000" bIns="45000"/>
+            <a:lstStyle/>
             <a:p>
               <a:pPr algn="ctr">
                 <a:lnSpc>
@@ -2189,30 +2551,26 @@
                 </a:lnSpc>
               </a:pPr>
               <a:r>
-                <a:rPr b="1" lang="en-AU" sz="1800" spc="-1" strike="noStrike">
+                <a:rPr lang="en-AU" sz="1800" b="1" strike="noStrike" spc="-1" dirty="0">
                   <a:solidFill>
-                    <a:srgbClr val="ffffff"/>
+                    <a:srgbClr val="FFFFFF"/>
                   </a:solidFill>
                   <a:latin typeface="Arial"/>
                 </a:rPr>
                 <a:t>Input Queue</a:t>
               </a:r>
-              <a:br/>
+              <a:br>
+                <a:rPr dirty="0"/>
+              </a:br>
               <a:r>
-                <a:rPr b="1" lang="en-AU" sz="1600" spc="-1" strike="noStrike">
+                <a:rPr lang="en-AU" sz="1600" b="1" strike="noStrike" spc="-1" dirty="0">
                   <a:solidFill>
-                    <a:srgbClr val="ffffff"/>
+                    <a:srgbClr val="FFFFFF"/>
                   </a:solidFill>
                   <a:latin typeface="Arial"/>
                 </a:rPr>
                 <a:t>(AWS SQS)</a:t>
               </a:r>
-              <a:endParaRPr b="1" lang="en-AU" sz="1600" spc="-1" strike="noStrike">
-                <a:solidFill>
-                  <a:srgbClr val="ffffff"/>
-                </a:solidFill>
-                <a:latin typeface="Arial"/>
-              </a:endParaRPr>
             </a:p>
           </p:txBody>
         </p:sp>
@@ -2233,10 +2591,10 @@
           </a:prstGeom>
           <a:ln w="19080">
             <a:solidFill>
-              <a:srgbClr val="3465a4"/>
+              <a:srgbClr val="3465A4"/>
             </a:solidFill>
             <a:round/>
-            <a:headEnd len="med" type="triangle" w="med"/>
+            <a:headEnd type="triangle" w="med" len="med"/>
           </a:ln>
         </p:spPr>
       </p:cxnSp>
@@ -2256,10 +2614,10 @@
           </a:prstGeom>
           <a:ln w="19080">
             <a:solidFill>
-              <a:srgbClr val="3465a4"/>
+              <a:srgbClr val="3465A4"/>
             </a:solidFill>
             <a:round/>
-            <a:tailEnd len="med" type="triangle" w="med"/>
+            <a:tailEnd type="triangle" w="med" len="med"/>
           </a:ln>
         </p:spPr>
       </p:cxnSp>
@@ -2279,13 +2637,13 @@
           </a:prstGeom>
           <a:ln w="19080">
             <a:solidFill>
-              <a:srgbClr val="3465a4"/>
+              <a:srgbClr val="3465A4"/>
             </a:solidFill>
             <a:custDash>
               <a:ds d="300000" sp="200000"/>
             </a:custDash>
             <a:round/>
-            <a:tailEnd len="med" type="triangle" w="med"/>
+            <a:tailEnd type="triangle" w="med" len="med"/>
           </a:ln>
         </p:spPr>
       </p:cxnSp>
@@ -2297,7 +2655,7 @@
         </p:nvSpPr>
         <p:spPr>
           <a:xfrm>
-            <a:off x="4752000" y="4464000"/>
+            <a:off x="4752000" y="4377862"/>
             <a:ext cx="1378440" cy="281160"/>
           </a:xfrm>
           <a:prstGeom prst="rect">
@@ -2309,17 +2667,15 @@
           </a:ln>
         </p:spPr>
         <p:txBody>
-          <a:bodyPr lIns="90000" rIns="90000" tIns="45000" bIns="45000"/>
+          <a:bodyPr lIns="90000" tIns="45000" rIns="90000" bIns="45000"/>
+          <a:lstStyle/>
           <a:p>
             <a:r>
-              <a:rPr b="0" lang="en-AU" sz="1600" spc="-1" strike="noStrike">
+              <a:rPr lang="en-AU" sz="1600" b="0" strike="noStrike" spc="-1" dirty="0">
                 <a:latin typeface="Arial"/>
               </a:rPr>
               <a:t>Invalid/Failed</a:t>
             </a:r>
-            <a:endParaRPr b="0" lang="en-AU" sz="1600" spc="-1" strike="noStrike">
-              <a:latin typeface="Arial"/>
-            </a:endParaRPr>
           </a:p>
         </p:txBody>
       </p:sp>
@@ -2331,7 +2687,7 @@
         </p:nvSpPr>
         <p:spPr>
           <a:xfrm>
-            <a:off x="144000" y="2808000"/>
+            <a:off x="395788" y="2808000"/>
             <a:ext cx="1800000" cy="936000"/>
           </a:xfrm>
           <a:prstGeom prst="cube">
@@ -2340,36 +2696,43 @@
             </a:avLst>
           </a:prstGeom>
           <a:solidFill>
-            <a:srgbClr val="fff450"/>
+            <a:srgbClr val="FFF450"/>
           </a:solidFill>
           <a:ln>
             <a:solidFill>
-              <a:srgbClr val="f58220"/>
+              <a:srgbClr val="F58220"/>
             </a:solidFill>
           </a:ln>
         </p:spPr>
         <p:style>
-          <a:lnRef idx="0"/>
-          <a:fillRef idx="0"/>
-          <a:effectRef idx="0"/>
+          <a:lnRef idx="0">
+            <a:scrgbClr r="0" g="0" b="0"/>
+          </a:lnRef>
+          <a:fillRef idx="0">
+            <a:scrgbClr r="0" g="0" b="0"/>
+          </a:fillRef>
+          <a:effectRef idx="0">
+            <a:scrgbClr r="0" g="0" b="0"/>
+          </a:effectRef>
           <a:fontRef idx="minor"/>
         </p:style>
         <p:txBody>
-          <a:bodyPr wrap="none" lIns="90000" rIns="90000" tIns="45000" bIns="45000" anchor="ctr"/>
+          <a:bodyPr wrap="none" lIns="90000" tIns="45000" rIns="90000" bIns="45000" anchor="ctr"/>
+          <a:lstStyle/>
           <a:p>
             <a:pPr algn="ctr"/>
             <a:r>
-              <a:rPr b="1" lang="en-AU" sz="1800" spc="-1" strike="noStrike">
+              <a:rPr lang="en-AU" sz="1800" b="1" strike="noStrike" spc="-1">
                 <a:solidFill>
-                  <a:srgbClr val="00864b"/>
+                  <a:srgbClr val="00864B"/>
                 </a:solidFill>
                 <a:latin typeface="Arial"/>
               </a:rPr>
               <a:t>Application</a:t>
             </a:r>
-            <a:endParaRPr b="0" lang="en-AU" sz="1800" spc="-1" strike="noStrike">
+            <a:endParaRPr lang="en-AU" sz="1800" b="0" strike="noStrike" spc="-1">
               <a:solidFill>
-                <a:srgbClr val="fff9ae"/>
+                <a:srgbClr val="FFF9AE"/>
               </a:solidFill>
               <a:latin typeface="Arial"/>
             </a:endParaRPr>
@@ -2392,10 +2755,10 @@
           </a:prstGeom>
           <a:ln w="19080">
             <a:solidFill>
-              <a:srgbClr val="3465a4"/>
+              <a:srgbClr val="3465A4"/>
             </a:solidFill>
             <a:round/>
-            <a:tailEnd len="med" type="triangle" w="med"/>
+            <a:tailEnd type="triangle" w="med" len="med"/>
           </a:ln>
         </p:spPr>
       </p:cxnSp>
@@ -2415,23 +2778,23 @@
           </a:prstGeom>
           <a:ln w="19080">
             <a:solidFill>
-              <a:srgbClr val="3465a4"/>
+              <a:srgbClr val="3465A4"/>
             </a:solidFill>
             <a:round/>
-            <a:tailEnd len="med" type="triangle" w="med"/>
+            <a:tailEnd type="triangle" w="med" len="med"/>
           </a:ln>
         </p:spPr>
       </p:cxnSp>
       <p:sp>
         <p:nvSpPr>
-          <p:cNvPr id="57" name="TextShape 17"/>
+          <p:cNvPr id="58" name="TextShape 18"/>
           <p:cNvSpPr txBox="1"/>
           <p:nvPr/>
         </p:nvSpPr>
         <p:spPr>
           <a:xfrm>
-            <a:off x="1008000" y="2310840"/>
-            <a:ext cx="485640" cy="281160"/>
+            <a:off x="1138108" y="3930840"/>
+            <a:ext cx="756720" cy="281160"/>
           </a:xfrm>
           <a:prstGeom prst="rect">
             <a:avLst/>
@@ -2442,124 +2805,477 @@
           </a:ln>
         </p:spPr>
         <p:txBody>
-          <a:bodyPr lIns="90000" rIns="90000" tIns="45000" bIns="45000"/>
+          <a:bodyPr lIns="90000" tIns="45000" rIns="90000" bIns="45000"/>
+          <a:lstStyle/>
           <a:p>
             <a:r>
-              <a:rPr b="0" lang="en-AU" sz="1600" spc="-1" strike="noStrike">
+              <a:rPr lang="en-AU" sz="1600" b="0" strike="noStrike" spc="-1" dirty="0">
+                <a:latin typeface="Arial"/>
+              </a:rPr>
+              <a:t>Check</a:t>
+            </a:r>
+          </a:p>
+        </p:txBody>
+      </p:sp>
+      <p:sp>
+        <p:nvSpPr>
+          <p:cNvPr id="59" name="TextShape 19"/>
+          <p:cNvSpPr txBox="1"/>
+          <p:nvPr/>
+        </p:nvSpPr>
+        <p:spPr>
+          <a:xfrm>
+            <a:off x="4447440" y="1312336"/>
+            <a:ext cx="520560" cy="281160"/>
+          </a:xfrm>
+          <a:prstGeom prst="rect">
+            <a:avLst/>
+          </a:prstGeom>
+          <a:noFill/>
+          <a:ln>
+            <a:noFill/>
+          </a:ln>
+        </p:spPr>
+        <p:txBody>
+          <a:bodyPr lIns="90000" tIns="45000" rIns="90000" bIns="45000"/>
+          <a:lstStyle/>
+          <a:p>
+            <a:r>
+              <a:rPr lang="en-AU" sz="1600" b="0" strike="noStrike" spc="-1" dirty="0">
+                <a:latin typeface="Arial"/>
+              </a:rPr>
+              <a:t>Poll</a:t>
+            </a:r>
+          </a:p>
+        </p:txBody>
+      </p:sp>
+      <p:sp>
+        <p:nvSpPr>
+          <p:cNvPr id="60" name="TextShape 20"/>
+          <p:cNvSpPr txBox="1"/>
+          <p:nvPr/>
+        </p:nvSpPr>
+        <p:spPr>
+          <a:xfrm>
+            <a:off x="7553160" y="1916931"/>
+            <a:ext cx="654840" cy="281160"/>
+          </a:xfrm>
+          <a:prstGeom prst="rect">
+            <a:avLst/>
+          </a:prstGeom>
+          <a:noFill/>
+          <a:ln>
+            <a:noFill/>
+          </a:ln>
+        </p:spPr>
+        <p:txBody>
+          <a:bodyPr lIns="90000" tIns="45000" rIns="90000" bIns="45000"/>
+          <a:lstStyle/>
+          <a:p>
+            <a:r>
+              <a:rPr lang="en-AU" sz="1600" b="0" strike="noStrike" spc="-1" dirty="0">
+                <a:latin typeface="Arial"/>
+              </a:rPr>
+              <a:t>Send</a:t>
+            </a:r>
+          </a:p>
+        </p:txBody>
+      </p:sp>
+      <p:cxnSp>
+        <p:nvCxnSpPr>
+          <p:cNvPr id="8" name="Connector: Elbow 7">
+            <a:extLst>
+              <a:ext uri="{FF2B5EF4-FFF2-40B4-BE49-F238E27FC236}">
+                <a16:creationId xmlns:a16="http://schemas.microsoft.com/office/drawing/2014/main" id="{6E4FB500-8FC0-4606-802B-8A743F008877}"/>
+              </a:ext>
+            </a:extLst>
+          </p:cNvPr>
+          <p:cNvCxnSpPr>
+            <a:cxnSpLocks/>
+            <a:stCxn id="54" idx="0"/>
+            <a:endCxn id="48" idx="1"/>
+          </p:cNvCxnSpPr>
+          <p:nvPr/>
+        </p:nvCxnSpPr>
+        <p:spPr>
+          <a:xfrm rot="5400000" flipH="1" flipV="1">
+            <a:off x="980589" y="2060589"/>
+            <a:ext cx="1179611" cy="315212"/>
+          </a:xfrm>
+          <a:prstGeom prst="bentConnector2">
+            <a:avLst/>
+          </a:prstGeom>
+          <a:ln>
+            <a:tailEnd type="triangle"/>
+          </a:ln>
+        </p:spPr>
+        <p:style>
+          <a:lnRef idx="2">
+            <a:schemeClr val="accent4"/>
+          </a:lnRef>
+          <a:fillRef idx="0">
+            <a:schemeClr val="accent4"/>
+          </a:fillRef>
+          <a:effectRef idx="1">
+            <a:schemeClr val="accent4"/>
+          </a:effectRef>
+          <a:fontRef idx="minor">
+            <a:schemeClr val="tx1"/>
+          </a:fontRef>
+        </p:style>
+      </p:cxnSp>
+      <p:cxnSp>
+        <p:nvCxnSpPr>
+          <p:cNvPr id="10" name="Connector: Elbow 9">
+            <a:extLst>
+              <a:ext uri="{FF2B5EF4-FFF2-40B4-BE49-F238E27FC236}">
+                <a16:creationId xmlns:a16="http://schemas.microsoft.com/office/drawing/2014/main" id="{E17895EE-FFC2-4911-A1B2-B84E65EF441B}"/>
+              </a:ext>
+            </a:extLst>
+          </p:cNvPr>
+          <p:cNvCxnSpPr>
+            <a:stCxn id="54" idx="3"/>
+            <a:endCxn id="45" idx="1"/>
+          </p:cNvCxnSpPr>
+          <p:nvPr/>
+        </p:nvCxnSpPr>
+        <p:spPr>
+          <a:xfrm rot="16200000" flipH="1">
+            <a:off x="967393" y="3955395"/>
+            <a:ext cx="972001" cy="549210"/>
+          </a:xfrm>
+          <a:prstGeom prst="bentConnector2">
+            <a:avLst/>
+          </a:prstGeom>
+          <a:ln>
+            <a:tailEnd type="triangle"/>
+          </a:ln>
+        </p:spPr>
+        <p:style>
+          <a:lnRef idx="2">
+            <a:schemeClr val="accent4"/>
+          </a:lnRef>
+          <a:fillRef idx="0">
+            <a:schemeClr val="accent4"/>
+          </a:fillRef>
+          <a:effectRef idx="1">
+            <a:schemeClr val="accent4"/>
+          </a:effectRef>
+          <a:fontRef idx="minor">
+            <a:schemeClr val="tx1"/>
+          </a:fontRef>
+        </p:style>
+      </p:cxnSp>
+      <p:cxnSp>
+        <p:nvCxnSpPr>
+          <p:cNvPr id="12" name="Connector: Elbow 11">
+            <a:extLst>
+              <a:ext uri="{FF2B5EF4-FFF2-40B4-BE49-F238E27FC236}">
+                <a16:creationId xmlns:a16="http://schemas.microsoft.com/office/drawing/2014/main" id="{C5FDF365-4F4C-4689-B559-BEE610A97BAF}"/>
+              </a:ext>
+            </a:extLst>
+          </p:cNvPr>
+          <p:cNvCxnSpPr>
+            <a:cxnSpLocks/>
+            <a:stCxn id="42" idx="2"/>
+            <a:endCxn id="46" idx="3"/>
+          </p:cNvCxnSpPr>
+          <p:nvPr/>
+        </p:nvCxnSpPr>
+        <p:spPr>
+          <a:xfrm rot="5400000">
+            <a:off x="3937358" y="2451638"/>
+            <a:ext cx="2584724" cy="1924561"/>
+          </a:xfrm>
+          <a:prstGeom prst="bentConnector2">
+            <a:avLst/>
+          </a:prstGeom>
+          <a:ln>
+            <a:tailEnd type="triangle"/>
+          </a:ln>
+        </p:spPr>
+        <p:style>
+          <a:lnRef idx="2">
+            <a:schemeClr val="accent3"/>
+          </a:lnRef>
+          <a:fillRef idx="0">
+            <a:schemeClr val="accent3"/>
+          </a:fillRef>
+          <a:effectRef idx="1">
+            <a:schemeClr val="accent3"/>
+          </a:effectRef>
+          <a:fontRef idx="minor">
+            <a:schemeClr val="tx1"/>
+          </a:fontRef>
+        </p:style>
+      </p:cxnSp>
+      <p:sp>
+        <p:nvSpPr>
+          <p:cNvPr id="57" name="TextShape 17"/>
+          <p:cNvSpPr txBox="1"/>
+          <p:nvPr/>
+        </p:nvSpPr>
+        <p:spPr>
+          <a:xfrm>
+            <a:off x="1376968" y="2304000"/>
+            <a:ext cx="485640" cy="281160"/>
+          </a:xfrm>
+          <a:prstGeom prst="rect">
+            <a:avLst/>
+          </a:prstGeom>
+          <a:noFill/>
+          <a:ln>
+            <a:noFill/>
+          </a:ln>
+        </p:spPr>
+        <p:txBody>
+          <a:bodyPr lIns="90000" tIns="45000" rIns="90000" bIns="45000"/>
+          <a:lstStyle/>
+          <a:p>
+            <a:r>
+              <a:rPr lang="en-AU" sz="1600" b="0" strike="noStrike" spc="-1" dirty="0">
                 <a:latin typeface="Arial"/>
               </a:rPr>
               <a:t>Put</a:t>
             </a:r>
-            <a:endParaRPr b="0" lang="en-AU" sz="1600" spc="-1" strike="noStrike">
-              <a:latin typeface="Arial"/>
-            </a:endParaRPr>
-          </a:p>
-        </p:txBody>
-      </p:sp>
-      <p:sp>
-        <p:nvSpPr>
-          <p:cNvPr id="58" name="TextShape 18"/>
-          <p:cNvSpPr txBox="1"/>
+          </a:p>
+        </p:txBody>
+      </p:sp>
+      <p:cxnSp>
+        <p:nvCxnSpPr>
+          <p:cNvPr id="18" name="Connector: Elbow 17">
+            <a:extLst>
+              <a:ext uri="{FF2B5EF4-FFF2-40B4-BE49-F238E27FC236}">
+                <a16:creationId xmlns:a16="http://schemas.microsoft.com/office/drawing/2014/main" id="{903DC2EC-0237-4C89-BDDF-8FD300480DC2}"/>
+              </a:ext>
+            </a:extLst>
+          </p:cNvPr>
+          <p:cNvCxnSpPr>
+            <a:stCxn id="41" idx="1"/>
+            <a:endCxn id="48" idx="3"/>
+          </p:cNvCxnSpPr>
           <p:nvPr/>
-        </p:nvSpPr>
-        <p:spPr>
-          <a:xfrm>
-            <a:off x="886320" y="3930840"/>
-            <a:ext cx="756720" cy="281160"/>
-          </a:xfrm>
-          <a:prstGeom prst="rect">
-            <a:avLst/>
-          </a:prstGeom>
-          <a:noFill/>
+        </p:nvCxnSpPr>
+        <p:spPr>
+          <a:xfrm rot="10800000" flipV="1">
+            <a:off x="4248000" y="1626625"/>
+            <a:ext cx="720000" cy="1763"/>
+          </a:xfrm>
+          <a:prstGeom prst="bentConnector3">
+            <a:avLst/>
+          </a:prstGeom>
           <a:ln>
-            <a:noFill/>
+            <a:tailEnd type="triangle"/>
           </a:ln>
         </p:spPr>
-        <p:txBody>
-          <a:bodyPr lIns="90000" rIns="90000" tIns="45000" bIns="45000"/>
-          <a:p>
+        <p:style>
+          <a:lnRef idx="2">
+            <a:schemeClr val="accent4"/>
+          </a:lnRef>
+          <a:fillRef idx="0">
+            <a:schemeClr val="accent4"/>
+          </a:fillRef>
+          <a:effectRef idx="1">
+            <a:schemeClr val="accent4"/>
+          </a:effectRef>
+          <a:fontRef idx="minor">
+            <a:schemeClr val="tx1"/>
+          </a:fontRef>
+        </p:style>
+      </p:cxnSp>
+      <p:sp>
+        <p:nvSpPr>
+          <p:cNvPr id="61" name="CustomShape 3">
+            <a:extLst>
+              <a:ext uri="{FF2B5EF4-FFF2-40B4-BE49-F238E27FC236}">
+                <a16:creationId xmlns:a16="http://schemas.microsoft.com/office/drawing/2014/main" id="{4CCDCADB-2D34-4312-957D-E47341FD99C9}"/>
+              </a:ext>
+            </a:extLst>
+          </p:cNvPr>
+          <p:cNvSpPr/>
+          <p:nvPr/>
+        </p:nvSpPr>
+        <p:spPr>
+          <a:xfrm>
+            <a:off x="8388000" y="2991420"/>
+            <a:ext cx="1296000" cy="1080000"/>
+          </a:xfrm>
+          <a:custGeom>
+            <a:avLst/>
+            <a:gdLst/>
+            <a:ahLst/>
+            <a:cxnLst/>
+            <a:rect l="0" t="0" r="r" b="b"/>
+            <a:pathLst>
+              <a:path w="3602" h="3002">
+                <a:moveTo>
+                  <a:pt x="500" y="0"/>
+                </a:moveTo>
+                <a:cubicBezTo>
+                  <a:pt x="250" y="0"/>
+                  <a:pt x="0" y="250"/>
+                  <a:pt x="0" y="500"/>
+                </a:cubicBezTo>
+                <a:lnTo>
+                  <a:pt x="0" y="2500"/>
+                </a:lnTo>
+                <a:cubicBezTo>
+                  <a:pt x="0" y="2750"/>
+                  <a:pt x="250" y="3001"/>
+                  <a:pt x="500" y="3001"/>
+                </a:cubicBezTo>
+                <a:lnTo>
+                  <a:pt x="3100" y="3001"/>
+                </a:lnTo>
+                <a:cubicBezTo>
+                  <a:pt x="3350" y="3001"/>
+                  <a:pt x="3601" y="2750"/>
+                  <a:pt x="3601" y="2500"/>
+                </a:cubicBezTo>
+                <a:lnTo>
+                  <a:pt x="3601" y="500"/>
+                </a:lnTo>
+                <a:cubicBezTo>
+                  <a:pt x="3601" y="250"/>
+                  <a:pt x="3350" y="0"/>
+                  <a:pt x="3100" y="0"/>
+                </a:cubicBezTo>
+                <a:lnTo>
+                  <a:pt x="500" y="0"/>
+                </a:lnTo>
+              </a:path>
+            </a:pathLst>
+          </a:custGeom>
+          <a:solidFill>
+            <a:srgbClr val="7477B8"/>
+          </a:solidFill>
+          <a:ln>
+            <a:solidFill>
+              <a:srgbClr val="3465A4"/>
+            </a:solidFill>
+          </a:ln>
+          <a:effectLst>
+            <a:outerShdw dist="101823" dir="2700000">
+              <a:srgbClr val="808080"/>
+            </a:outerShdw>
+          </a:effectLst>
+        </p:spPr>
+        <p:style>
+          <a:lnRef idx="0">
+            <a:scrgbClr r="0" g="0" b="0"/>
+          </a:lnRef>
+          <a:fillRef idx="0">
+            <a:scrgbClr r="0" g="0" b="0"/>
+          </a:fillRef>
+          <a:effectRef idx="0">
+            <a:scrgbClr r="0" g="0" b="0"/>
+          </a:effectRef>
+          <a:fontRef idx="minor"/>
+        </p:style>
+        <p:txBody>
+          <a:bodyPr wrap="none" lIns="90000" tIns="45000" rIns="90000" bIns="45000" anchor="ctr"/>
+          <a:lstStyle/>
+          <a:p>
+            <a:pPr algn="ctr"/>
             <a:r>
-              <a:rPr b="0" lang="en-AU" sz="1600" spc="-1" strike="noStrike">
+              <a:rPr lang="en-AU" sz="1800" b="1" strike="noStrike" spc="-1" dirty="0">
+                <a:solidFill>
+                  <a:srgbClr val="FFFFFF"/>
+                </a:solidFill>
                 <a:latin typeface="Arial"/>
               </a:rPr>
-              <a:t>Check</a:t>
+              <a:t>SendGrid</a:t>
             </a:r>
-            <a:endParaRPr b="0" lang="en-AU" sz="1600" spc="-1" strike="noStrike">
-              <a:latin typeface="Arial"/>
-            </a:endParaRPr>
-          </a:p>
-        </p:txBody>
-      </p:sp>
-      <p:sp>
-        <p:nvSpPr>
-          <p:cNvPr id="59" name="TextShape 19"/>
-          <p:cNvSpPr txBox="1"/>
+          </a:p>
+        </p:txBody>
+      </p:sp>
+      <p:cxnSp>
+        <p:nvCxnSpPr>
+          <p:cNvPr id="28" name="Straight Arrow Connector 27">
+            <a:extLst>
+              <a:ext uri="{FF2B5EF4-FFF2-40B4-BE49-F238E27FC236}">
+                <a16:creationId xmlns:a16="http://schemas.microsoft.com/office/drawing/2014/main" id="{01F4620C-E142-41E1-AB31-33A1ED3754D0}"/>
+              </a:ext>
+            </a:extLst>
+          </p:cNvPr>
+          <p:cNvCxnSpPr>
+            <a:stCxn id="42" idx="3"/>
+          </p:cNvCxnSpPr>
           <p:nvPr/>
-        </p:nvSpPr>
-        <p:spPr>
-          <a:xfrm>
-            <a:off x="4447440" y="1338840"/>
-            <a:ext cx="520560" cy="281160"/>
-          </a:xfrm>
-          <a:prstGeom prst="rect">
-            <a:avLst/>
-          </a:prstGeom>
-          <a:noFill/>
+        </p:nvCxnSpPr>
+        <p:spPr>
+          <a:xfrm flipV="1">
+            <a:off x="7128000" y="1738833"/>
+            <a:ext cx="1260000" cy="58723"/>
+          </a:xfrm>
+          <a:prstGeom prst="straightConnector1">
+            <a:avLst/>
+          </a:prstGeom>
           <a:ln>
-            <a:noFill/>
+            <a:tailEnd type="triangle"/>
           </a:ln>
         </p:spPr>
-        <p:txBody>
-          <a:bodyPr lIns="90000" rIns="90000" tIns="45000" bIns="45000"/>
-          <a:p>
-            <a:r>
-              <a:rPr b="0" lang="en-AU" sz="1600" spc="-1" strike="noStrike">
-                <a:latin typeface="Arial"/>
-              </a:rPr>
-              <a:t>Poll</a:t>
-            </a:r>
-            <a:endParaRPr b="0" lang="en-AU" sz="1600" spc="-1" strike="noStrike">
-              <a:latin typeface="Arial"/>
-            </a:endParaRPr>
-          </a:p>
-        </p:txBody>
-      </p:sp>
-      <p:sp>
-        <p:nvSpPr>
-          <p:cNvPr id="60" name="TextShape 20"/>
-          <p:cNvSpPr txBox="1"/>
+        <p:style>
+          <a:lnRef idx="2">
+            <a:schemeClr val="accent4"/>
+          </a:lnRef>
+          <a:fillRef idx="0">
+            <a:schemeClr val="accent4"/>
+          </a:fillRef>
+          <a:effectRef idx="1">
+            <a:schemeClr val="accent4"/>
+          </a:effectRef>
+          <a:fontRef idx="minor">
+            <a:schemeClr val="tx1"/>
+          </a:fontRef>
+        </p:style>
+      </p:cxnSp>
+      <p:cxnSp>
+        <p:nvCxnSpPr>
+          <p:cNvPr id="30" name="Straight Arrow Connector 29">
+            <a:extLst>
+              <a:ext uri="{FF2B5EF4-FFF2-40B4-BE49-F238E27FC236}">
+                <a16:creationId xmlns:a16="http://schemas.microsoft.com/office/drawing/2014/main" id="{EC488A9B-083D-4B32-983A-969F5F6DE062}"/>
+              </a:ext>
+            </a:extLst>
+          </p:cNvPr>
+          <p:cNvCxnSpPr>
+            <a:stCxn id="42" idx="3"/>
+          </p:cNvCxnSpPr>
           <p:nvPr/>
-        </p:nvSpPr>
-        <p:spPr>
-          <a:xfrm>
-            <a:off x="7560000" y="1512000"/>
-            <a:ext cx="654840" cy="281160"/>
-          </a:xfrm>
-          <a:prstGeom prst="rect">
-            <a:avLst/>
-          </a:prstGeom>
-          <a:noFill/>
+        </p:nvCxnSpPr>
+        <p:spPr>
+          <a:xfrm>
+            <a:off x="7128000" y="1797556"/>
+            <a:ext cx="1260000" cy="1825536"/>
+          </a:xfrm>
+          <a:prstGeom prst="straightConnector1">
+            <a:avLst/>
+          </a:prstGeom>
           <a:ln>
-            <a:noFill/>
+            <a:tailEnd type="triangle"/>
           </a:ln>
         </p:spPr>
-        <p:txBody>
-          <a:bodyPr lIns="90000" rIns="90000" tIns="45000" bIns="45000"/>
-          <a:p>
-            <a:r>
-              <a:rPr b="0" lang="en-AU" sz="1600" spc="-1" strike="noStrike">
-                <a:latin typeface="Arial"/>
-              </a:rPr>
-              <a:t>Send</a:t>
-            </a:r>
-            <a:endParaRPr b="0" lang="en-AU" sz="1600" spc="-1" strike="noStrike">
-              <a:latin typeface="Arial"/>
-            </a:endParaRPr>
-          </a:p>
-        </p:txBody>
-      </p:sp>
+        <p:style>
+          <a:lnRef idx="2">
+            <a:schemeClr val="accent4"/>
+          </a:lnRef>
+          <a:fillRef idx="0">
+            <a:schemeClr val="accent4"/>
+          </a:fillRef>
+          <a:effectRef idx="1">
+            <a:schemeClr val="accent4"/>
+          </a:effectRef>
+          <a:fontRef idx="minor">
+            <a:schemeClr val="tx1"/>
+          </a:fontRef>
+        </p:style>
+      </p:cxnSp>
     </p:spTree>
   </p:cSld>
+  <p:clrMapOvr>
+    <a:masterClrMapping/>
+  </p:clrMapOvr>
   <p:timing>
     <p:tnLst>
       <p:par>
@@ -2568,14 +3284,14 @@
             <p:seq>
               <p:cTn id="2" dur="indefinite" nodeType="mainSeq"/>
               <p:prevCondLst>
-                <p:cond delay="0" evt="onPrev">
+                <p:cond evt="onPrev" delay="0">
                   <p:tgtEl>
                     <p:sldTgt/>
                   </p:tgtEl>
                 </p:cond>
               </p:prevCondLst>
               <p:nextCondLst>
-                <p:cond delay="0" evt="onNext">
+                <p:cond evt="onNext" delay="0">
                   <p:tgtEl>
                     <p:sldTgt/>
                   </p:tgtEl>
@@ -2601,31 +3317,31 @@
         <a:sysClr val="window" lastClr="FFFFFF"/>
       </a:lt1>
       <a:dk2>
-        <a:srgbClr val="1f497d"/>
+        <a:srgbClr val="1F497D"/>
       </a:dk2>
       <a:lt2>
-        <a:srgbClr val="eeece1"/>
+        <a:srgbClr val="EEECE1"/>
       </a:lt2>
       <a:accent1>
-        <a:srgbClr val="4f81bd"/>
+        <a:srgbClr val="4F81BD"/>
       </a:accent1>
       <a:accent2>
-        <a:srgbClr val="c0504d"/>
+        <a:srgbClr val="C0504D"/>
       </a:accent2>
       <a:accent3>
-        <a:srgbClr val="9bbb59"/>
+        <a:srgbClr val="9BBB59"/>
       </a:accent3>
       <a:accent4>
-        <a:srgbClr val="8064a2"/>
+        <a:srgbClr val="8064A2"/>
       </a:accent4>
       <a:accent5>
-        <a:srgbClr val="4bacc6"/>
+        <a:srgbClr val="4BACC6"/>
       </a:accent5>
       <a:accent6>
-        <a:srgbClr val="f79646"/>
+        <a:srgbClr val="F79646"/>
       </a:accent6>
       <a:hlink>
-        <a:srgbClr val="0000ff"/>
+        <a:srgbClr val="0000FF"/>
       </a:hlink>
       <a:folHlink>
         <a:srgbClr val="800080"/>
@@ -2810,5 +3526,7 @@
       </a:bgFillStyleLst>
     </a:fmtScheme>
   </a:themeElements>
+  <a:objectDefaults/>
+  <a:extraClrSchemeLst/>
 </a:theme>
 </file>